--- a/_0. DWH/Projects/Valeryia_Lupanava/docs/Project Review.pptx
+++ b/_0. DWH/Projects/Valeryia_Lupanava/docs/Project Review.pptx
@@ -5,10 +5,10 @@
     <p:sldMasterId id="2147483799" r:id="rId1"/>
   </p:sldMasterIdLst>
   <p:notesMasterIdLst>
-    <p:notesMasterId r:id="rId40"/>
+    <p:notesMasterId r:id="rId43"/>
   </p:notesMasterIdLst>
   <p:handoutMasterIdLst>
-    <p:handoutMasterId r:id="rId41"/>
+    <p:handoutMasterId r:id="rId44"/>
   </p:handoutMasterIdLst>
   <p:sldIdLst>
     <p:sldId id="376" r:id="rId2"/>
@@ -47,8 +47,11 @@
     <p:sldId id="416" r:id="rId35"/>
     <p:sldId id="405" r:id="rId36"/>
     <p:sldId id="419" r:id="rId37"/>
-    <p:sldId id="375" r:id="rId38"/>
-    <p:sldId id="418" r:id="rId39"/>
+    <p:sldId id="420" r:id="rId38"/>
+    <p:sldId id="421" r:id="rId39"/>
+    <p:sldId id="422" r:id="rId40"/>
+    <p:sldId id="375" r:id="rId41"/>
+    <p:sldId id="418" r:id="rId42"/>
   </p:sldIdLst>
   <p:sldSz cx="9144000" cy="5143500" type="screen16x9"/>
   <p:notesSz cx="6858000" cy="9144000"/>
@@ -192,6 +195,9 @@
             <p14:sldId id="416"/>
             <p14:sldId id="405"/>
             <p14:sldId id="419"/>
+            <p14:sldId id="420"/>
+            <p14:sldId id="421"/>
+            <p14:sldId id="422"/>
             <p14:sldId id="375"/>
             <p14:sldId id="418"/>
           </p14:sldIdLst>
@@ -887,7 +893,7 @@
           <a:p>
             <a:fld id="{7AE90029-A909-AD4E-9775-A0D64990AD22}" type="slidenum">
               <a:rPr lang="en-US" smtClean="0"/>
-              <a:t>37</a:t>
+              <a:t>40</a:t>
             </a:fld>
             <a:endParaRPr lang="en-US"/>
           </a:p>
@@ -5016,13 +5022,13 @@
   <p:clrMapOvr>
     <a:masterClrMapping/>
   </p:clrMapOvr>
-  <mc:AlternateContent xmlns:mc="http://schemas.openxmlformats.org/markup-compatibility/2006">
-    <mc:Choice xmlns:p15="http://schemas.microsoft.com/office/powerpoint/2012/main" Requires="p15">
+  <mc:AlternateContent xmlns:mc="http://schemas.openxmlformats.org/markup-compatibility/2006" xmlns:p15="http://schemas.microsoft.com/office/powerpoint/2012/main">
+    <mc:Choice Requires="p15">
       <p:transition xmlns:p14="http://schemas.microsoft.com/office/powerpoint/2010/main" spd="slow" p14:dur="2000">
         <p15:prstTrans prst="drape"/>
       </p:transition>
     </mc:Choice>
-    <mc:Fallback>
+    <mc:Fallback xmlns="">
       <p:transition spd="slow">
         <p:fade/>
       </p:transition>
@@ -5210,27 +5216,7 @@
                 <a:latin typeface="MV Boli" panose="02000500030200090000" pitchFamily="2" charset="0"/>
                 <a:cs typeface="MV Boli" panose="02000500030200090000" pitchFamily="2" charset="0"/>
               </a:rPr>
-              <a:t>E</a:t>
-            </a:r>
-            <a:r>
-              <a:rPr lang="en-US" sz="3200" b="1" dirty="0">
-                <a:solidFill>
-                  <a:srgbClr val="FF0066"/>
-                </a:solidFill>
-                <a:latin typeface="MV Boli" panose="02000500030200090000" pitchFamily="2" charset="0"/>
-                <a:cs typeface="MV Boli" panose="02000500030200090000" pitchFamily="2" charset="0"/>
-              </a:rPr>
-              <a:t>M</a:t>
-            </a:r>
-            <a:r>
-              <a:rPr lang="en-US" sz="3200" b="1" dirty="0">
-                <a:solidFill>
-                  <a:srgbClr val="FF0066"/>
-                </a:solidFill>
-                <a:latin typeface="MV Boli" panose="02000500030200090000" pitchFamily="2" charset="0"/>
-                <a:cs typeface="MV Boli" panose="02000500030200090000" pitchFamily="2" charset="0"/>
-              </a:rPr>
-              <a:t>PLOYEE</a:t>
+              <a:t>EMPLOYEE</a:t>
             </a:r>
             <a:r>
               <a:rPr lang="en-US" sz="3200" dirty="0" smtClean="0">
@@ -5325,13 +5311,13 @@
   <p:clrMapOvr>
     <a:masterClrMapping/>
   </p:clrMapOvr>
-  <mc:AlternateContent xmlns:mc="http://schemas.openxmlformats.org/markup-compatibility/2006">
-    <mc:Choice xmlns:p14="http://schemas.microsoft.com/office/powerpoint/2010/main" Requires="p14">
+  <mc:AlternateContent xmlns:mc="http://schemas.openxmlformats.org/markup-compatibility/2006" xmlns:p14="http://schemas.microsoft.com/office/powerpoint/2010/main">
+    <mc:Choice Requires="p14">
       <p:transition spd="slow" p14:dur="1250">
         <p14:flip dir="r"/>
       </p:transition>
     </mc:Choice>
-    <mc:Fallback>
+    <mc:Fallback xmlns="">
       <p:transition spd="slow">
         <p:fade/>
       </p:transition>
@@ -6509,13 +6495,13 @@
   <p:clrMapOvr>
     <a:masterClrMapping/>
   </p:clrMapOvr>
-  <mc:AlternateContent xmlns:mc="http://schemas.openxmlformats.org/markup-compatibility/2006">
-    <mc:Choice xmlns:p14="http://schemas.microsoft.com/office/powerpoint/2010/main" Requires="p14">
+  <mc:AlternateContent xmlns:mc="http://schemas.openxmlformats.org/markup-compatibility/2006" xmlns:p14="http://schemas.microsoft.com/office/powerpoint/2010/main">
+    <mc:Choice Requires="p14">
       <p:transition spd="slow" p14:dur="1600">
         <p14:gallery dir="l"/>
       </p:transition>
     </mc:Choice>
-    <mc:Fallback>
+    <mc:Fallback xmlns="">
       <p:transition spd="slow">
         <p:fade/>
       </p:transition>
@@ -6656,13 +6642,13 @@
   <p:clrMapOvr>
     <a:masterClrMapping/>
   </p:clrMapOvr>
-  <mc:AlternateContent xmlns:mc="http://schemas.openxmlformats.org/markup-compatibility/2006">
-    <mc:Choice xmlns:p14="http://schemas.microsoft.com/office/powerpoint/2010/main" Requires="p14">
+  <mc:AlternateContent xmlns:mc="http://schemas.openxmlformats.org/markup-compatibility/2006" xmlns:p14="http://schemas.microsoft.com/office/powerpoint/2010/main">
+    <mc:Choice Requires="p14">
       <p:transition spd="slow" p14:dur="1200">
         <p14:prism/>
       </p:transition>
     </mc:Choice>
-    <mc:Fallback>
+    <mc:Fallback xmlns="">
       <p:transition spd="slow">
         <p:fade/>
       </p:transition>
@@ -7522,13 +7508,13 @@
   <p:clrMapOvr>
     <a:masterClrMapping/>
   </p:clrMapOvr>
-  <mc:AlternateContent xmlns:mc="http://schemas.openxmlformats.org/markup-compatibility/2006">
-    <mc:Choice xmlns:p14="http://schemas.microsoft.com/office/powerpoint/2010/main" Requires="p14">
+  <mc:AlternateContent xmlns:mc="http://schemas.openxmlformats.org/markup-compatibility/2006" xmlns:p14="http://schemas.microsoft.com/office/powerpoint/2010/main">
+    <mc:Choice Requires="p14">
       <p:transition spd="slow" p14:dur="1250">
         <p14:switch dir="r"/>
       </p:transition>
     </mc:Choice>
-    <mc:Fallback>
+    <mc:Fallback xmlns="">
       <p:transition spd="slow">
         <p:fade/>
       </p:transition>
@@ -8704,13 +8690,13 @@
   <p:clrMapOvr>
     <a:masterClrMapping/>
   </p:clrMapOvr>
-  <mc:AlternateContent xmlns:mc="http://schemas.openxmlformats.org/markup-compatibility/2006">
-    <mc:Choice xmlns:p15="http://schemas.microsoft.com/office/powerpoint/2012/main" Requires="p15">
+  <mc:AlternateContent xmlns:mc="http://schemas.openxmlformats.org/markup-compatibility/2006" xmlns:p15="http://schemas.microsoft.com/office/powerpoint/2012/main">
+    <mc:Choice Requires="p15">
       <p:transition xmlns:p14="http://schemas.microsoft.com/office/powerpoint/2010/main" spd="slow" p14:dur="3250">
         <p15:prstTrans prst="origami"/>
       </p:transition>
     </mc:Choice>
-    <mc:Fallback>
+    <mc:Fallback xmlns="">
       <p:transition spd="slow">
         <p:fade/>
       </p:transition>
@@ -8868,13 +8854,13 @@
   <p:clrMapOvr>
     <a:masterClrMapping/>
   </p:clrMapOvr>
-  <mc:AlternateContent xmlns:mc="http://schemas.openxmlformats.org/markup-compatibility/2006">
-    <mc:Choice xmlns:p14="http://schemas.microsoft.com/office/powerpoint/2010/main" Requires="p14">
+  <mc:AlternateContent xmlns:mc="http://schemas.openxmlformats.org/markup-compatibility/2006" xmlns:p14="http://schemas.microsoft.com/office/powerpoint/2010/main">
+    <mc:Choice Requires="p14">
       <p:transition spd="slow" p14:dur="1200">
         <p14:prism/>
       </p:transition>
     </mc:Choice>
-    <mc:Fallback>
+    <mc:Fallback xmlns="">
       <p:transition spd="slow">
         <p:fade/>
       </p:transition>
@@ -9041,13 +9027,13 @@
   <p:clrMapOvr>
     <a:masterClrMapping/>
   </p:clrMapOvr>
-  <mc:AlternateContent xmlns:mc="http://schemas.openxmlformats.org/markup-compatibility/2006">
-    <mc:Choice xmlns:p15="http://schemas.microsoft.com/office/powerpoint/2012/main" Requires="p15">
+  <mc:AlternateContent xmlns:mc="http://schemas.openxmlformats.org/markup-compatibility/2006" xmlns:p15="http://schemas.microsoft.com/office/powerpoint/2012/main">
+    <mc:Choice Requires="p15">
       <p:transition xmlns:p14="http://schemas.microsoft.com/office/powerpoint/2010/main" spd="slow" p14:dur="1250">
         <p15:prstTrans prst="pageCurlDouble"/>
       </p:transition>
     </mc:Choice>
-    <mc:Fallback>
+    <mc:Fallback xmlns="">
       <p:transition spd="slow">
         <p:fade/>
       </p:transition>
@@ -9517,13 +9503,13 @@
   <p:clrMapOvr>
     <a:masterClrMapping/>
   </p:clrMapOvr>
-  <mc:AlternateContent xmlns:mc="http://schemas.openxmlformats.org/markup-compatibility/2006">
-    <mc:Choice xmlns:p15="http://schemas.microsoft.com/office/powerpoint/2012/main" Requires="p15">
+  <mc:AlternateContent xmlns:mc="http://schemas.openxmlformats.org/markup-compatibility/2006" xmlns:p15="http://schemas.microsoft.com/office/powerpoint/2012/main">
+    <mc:Choice Requires="p15">
       <p:transition xmlns:p14="http://schemas.microsoft.com/office/powerpoint/2010/main" spd="slow" p14:dur="1250">
         <p15:prstTrans prst="pageCurlDouble"/>
       </p:transition>
     </mc:Choice>
-    <mc:Fallback>
+    <mc:Fallback xmlns="">
       <p:transition spd="slow">
         <p:fade/>
       </p:transition>
@@ -10109,13 +10095,13 @@
   <p:clrMapOvr>
     <a:masterClrMapping/>
   </p:clrMapOvr>
-  <mc:AlternateContent xmlns:mc="http://schemas.openxmlformats.org/markup-compatibility/2006">
-    <mc:Choice xmlns:p15="http://schemas.microsoft.com/office/powerpoint/2012/main" Requires="p15">
+  <mc:AlternateContent xmlns:mc="http://schemas.openxmlformats.org/markup-compatibility/2006" xmlns:p15="http://schemas.microsoft.com/office/powerpoint/2012/main">
+    <mc:Choice Requires="p15">
       <p:transition xmlns:p14="http://schemas.microsoft.com/office/powerpoint/2010/main" spd="slow" p14:dur="1250">
         <p15:prstTrans prst="pageCurlDouble"/>
       </p:transition>
     </mc:Choice>
-    <mc:Fallback>
+    <mc:Fallback xmlns="">
       <p:transition spd="slow">
         <p:fade/>
       </p:transition>
@@ -11058,13 +11044,13 @@
   <p:clrMapOvr>
     <a:masterClrMapping/>
   </p:clrMapOvr>
-  <mc:AlternateContent xmlns:mc="http://schemas.openxmlformats.org/markup-compatibility/2006">
-    <mc:Choice xmlns:p15="http://schemas.microsoft.com/office/powerpoint/2012/main" Requires="p15">
+  <mc:AlternateContent xmlns:mc="http://schemas.openxmlformats.org/markup-compatibility/2006" xmlns:p15="http://schemas.microsoft.com/office/powerpoint/2012/main">
+    <mc:Choice Requires="p15">
       <p:transition xmlns:p14="http://schemas.microsoft.com/office/powerpoint/2010/main" spd="slow" p14:dur="1250">
         <p15:prstTrans prst="pageCurlDouble"/>
       </p:transition>
     </mc:Choice>
-    <mc:Fallback>
+    <mc:Fallback xmlns="">
       <p:transition spd="slow">
         <p:fade/>
       </p:transition>
@@ -11869,13 +11855,13 @@
   <p:clrMapOvr>
     <a:masterClrMapping/>
   </p:clrMapOvr>
-  <mc:AlternateContent xmlns:mc="http://schemas.openxmlformats.org/markup-compatibility/2006">
-    <mc:Choice xmlns:p14="http://schemas.microsoft.com/office/powerpoint/2010/main" Requires="p14">
+  <mc:AlternateContent xmlns:mc="http://schemas.openxmlformats.org/markup-compatibility/2006" xmlns:p14="http://schemas.microsoft.com/office/powerpoint/2010/main">
+    <mc:Choice Requires="p14">
       <p:transition spd="slow" p14:dur="1200">
         <p14:prism/>
       </p:transition>
     </mc:Choice>
-    <mc:Fallback>
+    <mc:Fallback xmlns="">
       <p:transition spd="slow">
         <p:fade/>
       </p:transition>
@@ -12179,13 +12165,13 @@
   <p:clrMapOvr>
     <a:masterClrMapping/>
   </p:clrMapOvr>
-  <mc:AlternateContent xmlns:mc="http://schemas.openxmlformats.org/markup-compatibility/2006">
-    <mc:Choice xmlns:p15="http://schemas.microsoft.com/office/powerpoint/2012/main" Requires="p15">
+  <mc:AlternateContent xmlns:mc="http://schemas.openxmlformats.org/markup-compatibility/2006" xmlns:p15="http://schemas.microsoft.com/office/powerpoint/2012/main">
+    <mc:Choice Requires="p15">
       <p:transition xmlns:p14="http://schemas.microsoft.com/office/powerpoint/2010/main" spd="slow" p14:dur="1250">
         <p15:prstTrans prst="pageCurlDouble"/>
       </p:transition>
     </mc:Choice>
-    <mc:Fallback>
+    <mc:Fallback xmlns="">
       <p:transition spd="slow">
         <p:fade/>
       </p:transition>
@@ -13112,13 +13098,13 @@
   <p:clrMapOvr>
     <a:masterClrMapping/>
   </p:clrMapOvr>
-  <mc:AlternateContent xmlns:mc="http://schemas.openxmlformats.org/markup-compatibility/2006">
-    <mc:Choice xmlns:p15="http://schemas.microsoft.com/office/powerpoint/2012/main" Requires="p15">
+  <mc:AlternateContent xmlns:mc="http://schemas.openxmlformats.org/markup-compatibility/2006" xmlns:p15="http://schemas.microsoft.com/office/powerpoint/2012/main">
+    <mc:Choice Requires="p15">
       <p:transition xmlns:p14="http://schemas.microsoft.com/office/powerpoint/2010/main" spd="slow" p14:dur="1250">
         <p15:prstTrans prst="pageCurlDouble"/>
       </p:transition>
     </mc:Choice>
-    <mc:Fallback>
+    <mc:Fallback xmlns="">
       <p:transition spd="slow">
         <p:fade/>
       </p:transition>
@@ -13744,13 +13730,13 @@
   <p:clrMapOvr>
     <a:masterClrMapping/>
   </p:clrMapOvr>
-  <mc:AlternateContent xmlns:mc="http://schemas.openxmlformats.org/markup-compatibility/2006">
-    <mc:Choice xmlns:p14="http://schemas.microsoft.com/office/powerpoint/2010/main" Requires="p14">
+  <mc:AlternateContent xmlns:mc="http://schemas.openxmlformats.org/markup-compatibility/2006" xmlns:p14="http://schemas.microsoft.com/office/powerpoint/2010/main">
+    <mc:Choice Requires="p14">
       <p:transition spd="slow" p14:dur="1200">
         <p14:prism/>
       </p:transition>
     </mc:Choice>
-    <mc:Fallback>
+    <mc:Fallback xmlns="">
       <p:transition spd="slow">
         <p:fade/>
       </p:transition>
@@ -15235,14 +15221,7 @@
                 <a:latin typeface="MV Boli" panose="02000500030200090000" pitchFamily="2" charset="0"/>
                 <a:cs typeface="MV Boli" panose="02000500030200090000" pitchFamily="2" charset="0"/>
               </a:rPr>
-              <a:t>SA</a:t>
-            </a:r>
-            <a:r>
-              <a:rPr lang="en-US" b="1" dirty="0" smtClean="0">
-                <a:latin typeface="MV Boli" panose="02000500030200090000" pitchFamily="2" charset="0"/>
-                <a:cs typeface="MV Boli" panose="02000500030200090000" pitchFamily="2" charset="0"/>
-              </a:rPr>
-              <a:t>_SRC</a:t>
+              <a:t>SA_SRC</a:t>
             </a:r>
             <a:endParaRPr lang="ru-RU" b="1" dirty="0">
               <a:cs typeface="MV Boli" panose="02000500030200090000" pitchFamily="2" charset="0"/>
@@ -15504,13 +15483,13 @@
   <p:clrMapOvr>
     <a:masterClrMapping/>
   </p:clrMapOvr>
-  <mc:AlternateContent xmlns:mc="http://schemas.openxmlformats.org/markup-compatibility/2006">
-    <mc:Choice xmlns:p15="http://schemas.microsoft.com/office/powerpoint/2012/main" Requires="p15">
+  <mc:AlternateContent xmlns:mc="http://schemas.openxmlformats.org/markup-compatibility/2006" xmlns:p15="http://schemas.microsoft.com/office/powerpoint/2012/main">
+    <mc:Choice Requires="p15">
       <p:transition xmlns:p14="http://schemas.microsoft.com/office/powerpoint/2010/main" spd="slow" p14:dur="3250">
         <p15:prstTrans prst="origami"/>
       </p:transition>
     </mc:Choice>
-    <mc:Fallback>
+    <mc:Fallback xmlns="">
       <p:transition spd="slow">
         <p:fade/>
       </p:transition>
@@ -19008,14 +18987,7 @@
                 <a:latin typeface="MV Boli" panose="02000500030200090000" pitchFamily="2" charset="0"/>
                 <a:cs typeface="MV Boli" panose="02000500030200090000" pitchFamily="2" charset="0"/>
               </a:rPr>
-              <a:t>SA</a:t>
-            </a:r>
-            <a:r>
-              <a:rPr lang="en-US" b="1" dirty="0" smtClean="0">
-                <a:latin typeface="MV Boli" panose="02000500030200090000" pitchFamily="2" charset="0"/>
-                <a:cs typeface="MV Boli" panose="02000500030200090000" pitchFamily="2" charset="0"/>
-              </a:rPr>
-              <a:t>_SRC</a:t>
+              <a:t>SA_SRC</a:t>
             </a:r>
             <a:endParaRPr lang="ru-RU" b="1" dirty="0">
               <a:cs typeface="MV Boli" panose="02000500030200090000" pitchFamily="2" charset="0"/>
@@ -19395,13 +19367,13 @@
   <p:clrMapOvr>
     <a:masterClrMapping/>
   </p:clrMapOvr>
-  <mc:AlternateContent xmlns:mc="http://schemas.openxmlformats.org/markup-compatibility/2006">
-    <mc:Choice xmlns:p15="http://schemas.microsoft.com/office/powerpoint/2012/main" Requires="p15">
+  <mc:AlternateContent xmlns:mc="http://schemas.openxmlformats.org/markup-compatibility/2006" xmlns:p15="http://schemas.microsoft.com/office/powerpoint/2012/main">
+    <mc:Choice Requires="p15">
       <p:transition xmlns:p14="http://schemas.microsoft.com/office/powerpoint/2010/main" spd="slow" p14:dur="2000">
         <p15:prstTrans prst="prestige"/>
       </p:transition>
     </mc:Choice>
-    <mc:Fallback>
+    <mc:Fallback xmlns="">
       <p:transition spd="slow">
         <p:fade/>
       </p:transition>
@@ -20956,13 +20928,13 @@
   <p:clrMapOvr>
     <a:masterClrMapping/>
   </p:clrMapOvr>
-  <mc:AlternateContent xmlns:mc="http://schemas.openxmlformats.org/markup-compatibility/2006">
-    <mc:Choice xmlns:p15="http://schemas.microsoft.com/office/powerpoint/2012/main" Requires="p15">
+  <mc:AlternateContent xmlns:mc="http://schemas.openxmlformats.org/markup-compatibility/2006" xmlns:p15="http://schemas.microsoft.com/office/powerpoint/2012/main">
+    <mc:Choice Requires="p15">
       <p:transition xmlns:p14="http://schemas.microsoft.com/office/powerpoint/2010/main" spd="slow" p14:dur="2000">
         <p15:prstTrans prst="prestige"/>
       </p:transition>
     </mc:Choice>
-    <mc:Fallback>
+    <mc:Fallback xmlns="">
       <p:transition spd="slow">
         <p:fade/>
       </p:transition>
@@ -22857,13 +22829,13 @@
   <p:clrMapOvr>
     <a:masterClrMapping/>
   </p:clrMapOvr>
-  <mc:AlternateContent xmlns:mc="http://schemas.openxmlformats.org/markup-compatibility/2006">
-    <mc:Choice xmlns:p15="http://schemas.microsoft.com/office/powerpoint/2012/main" Requires="p15">
+  <mc:AlternateContent xmlns:mc="http://schemas.openxmlformats.org/markup-compatibility/2006" xmlns:p15="http://schemas.microsoft.com/office/powerpoint/2012/main">
+    <mc:Choice Requires="p15">
       <p:transition xmlns:p14="http://schemas.microsoft.com/office/powerpoint/2010/main" spd="slow" p14:dur="2000">
         <p15:prstTrans prst="prestige"/>
       </p:transition>
     </mc:Choice>
-    <mc:Fallback>
+    <mc:Fallback xmlns="">
       <p:transition spd="slow">
         <p:fade/>
       </p:transition>
@@ -24844,13 +24816,13 @@
   <p:clrMapOvr>
     <a:masterClrMapping/>
   </p:clrMapOvr>
-  <mc:AlternateContent xmlns:mc="http://schemas.openxmlformats.org/markup-compatibility/2006">
-    <mc:Choice xmlns:p15="http://schemas.microsoft.com/office/powerpoint/2012/main" Requires="p15">
+  <mc:AlternateContent xmlns:mc="http://schemas.openxmlformats.org/markup-compatibility/2006" xmlns:p15="http://schemas.microsoft.com/office/powerpoint/2012/main">
+    <mc:Choice Requires="p15">
       <p:transition xmlns:p14="http://schemas.microsoft.com/office/powerpoint/2010/main" spd="slow" p14:dur="2000">
         <p15:prstTrans prst="prestige"/>
       </p:transition>
     </mc:Choice>
-    <mc:Fallback>
+    <mc:Fallback xmlns="">
       <p:transition spd="slow">
         <p:fade/>
       </p:transition>
@@ -26830,13 +26802,13 @@
   <p:clrMapOvr>
     <a:masterClrMapping/>
   </p:clrMapOvr>
-  <mc:AlternateContent xmlns:mc="http://schemas.openxmlformats.org/markup-compatibility/2006">
-    <mc:Choice xmlns:p15="http://schemas.microsoft.com/office/powerpoint/2012/main" Requires="p15">
+  <mc:AlternateContent xmlns:mc="http://schemas.openxmlformats.org/markup-compatibility/2006" xmlns:p15="http://schemas.microsoft.com/office/powerpoint/2012/main">
+    <mc:Choice Requires="p15">
       <p:transition xmlns:p14="http://schemas.microsoft.com/office/powerpoint/2010/main" spd="slow" p14:dur="2000">
         <p15:prstTrans prst="prestige"/>
       </p:transition>
     </mc:Choice>
-    <mc:Fallback>
+    <mc:Fallback xmlns="">
       <p:transition spd="slow">
         <p:fade/>
       </p:transition>
@@ -28197,13 +28169,13 @@
   <p:clrMapOvr>
     <a:masterClrMapping/>
   </p:clrMapOvr>
-  <mc:AlternateContent xmlns:mc="http://schemas.openxmlformats.org/markup-compatibility/2006">
-    <mc:Choice xmlns:p14="http://schemas.microsoft.com/office/powerpoint/2010/main" Requires="p14">
+  <mc:AlternateContent xmlns:mc="http://schemas.openxmlformats.org/markup-compatibility/2006" xmlns:p14="http://schemas.microsoft.com/office/powerpoint/2010/main">
+    <mc:Choice Requires="p14">
       <p:transition spd="slow" p14:dur="1200">
         <p14:prism/>
       </p:transition>
     </mc:Choice>
-    <mc:Fallback>
+    <mc:Fallback xmlns="">
       <p:transition spd="slow">
         <p:fade/>
       </p:transition>
@@ -28637,13 +28609,13 @@
   <p:clrMapOvr>
     <a:masterClrMapping/>
   </p:clrMapOvr>
-  <mc:AlternateContent xmlns:mc="http://schemas.openxmlformats.org/markup-compatibility/2006">
-    <mc:Choice xmlns:p14="http://schemas.microsoft.com/office/powerpoint/2010/main" Requires="p14">
+  <mc:AlternateContent xmlns:mc="http://schemas.openxmlformats.org/markup-compatibility/2006" xmlns:p14="http://schemas.microsoft.com/office/powerpoint/2010/main">
+    <mc:Choice Requires="p14">
       <p:transition spd="slow" p14:dur="1250">
         <p14:flip dir="r"/>
       </p:transition>
     </mc:Choice>
-    <mc:Fallback>
+    <mc:Fallback xmlns="">
       <p:transition spd="slow">
         <p:fade/>
       </p:transition>
@@ -29904,13 +29876,13 @@
   <p:clrMapOvr>
     <a:masterClrMapping/>
   </p:clrMapOvr>
-  <mc:AlternateContent xmlns:mc="http://schemas.openxmlformats.org/markup-compatibility/2006">
-    <mc:Choice xmlns:p15="http://schemas.microsoft.com/office/powerpoint/2012/main" Requires="p15">
+  <mc:AlternateContent xmlns:mc="http://schemas.openxmlformats.org/markup-compatibility/2006" xmlns:p15="http://schemas.microsoft.com/office/powerpoint/2012/main">
+    <mc:Choice Requires="p15">
       <p:transition xmlns:p14="http://schemas.microsoft.com/office/powerpoint/2010/main" spd="slow" p14:dur="1250">
         <p15:prstTrans prst="peelOff"/>
       </p:transition>
     </mc:Choice>
-    <mc:Fallback>
+    <mc:Fallback xmlns="">
       <p:transition spd="slow">
         <p:fade/>
       </p:transition>
@@ -29983,21 +29955,7 @@
                 <a:latin typeface="MV Boli" panose="02000500030200090000" pitchFamily="2" charset="0"/>
                 <a:cs typeface="MV Boli" panose="02000500030200090000" pitchFamily="2" charset="0"/>
               </a:rPr>
-              <a:t>FACT TABLE </a:t>
-            </a:r>
-            <a:r>
-              <a:rPr lang="en-US" sz="2800" dirty="0" smtClean="0">
-                <a:latin typeface="MV Boli" panose="02000500030200090000" pitchFamily="2" charset="0"/>
-                <a:cs typeface="MV Boli" panose="02000500030200090000" pitchFamily="2" charset="0"/>
-              </a:rPr>
-              <a:t>IS </a:t>
-            </a:r>
-            <a:r>
-              <a:rPr lang="en-US" sz="2800" dirty="0" smtClean="0">
-                <a:latin typeface="MV Boli" panose="02000500030200090000" pitchFamily="2" charset="0"/>
-                <a:cs typeface="MV Boli" panose="02000500030200090000" pitchFamily="2" charset="0"/>
-              </a:rPr>
-              <a:t>LOADED LAST</a:t>
+              <a:t>FACT TABLE IS LOADED LAST</a:t>
             </a:r>
             <a:endParaRPr lang="ru-RU" dirty="0" smtClean="0"/>
           </a:p>
@@ -30461,13 +30419,13 @@
   <p:clrMapOvr>
     <a:masterClrMapping/>
   </p:clrMapOvr>
-  <mc:AlternateContent xmlns:mc="http://schemas.openxmlformats.org/markup-compatibility/2006">
-    <mc:Choice xmlns:p15="http://schemas.microsoft.com/office/powerpoint/2012/main" Requires="p15">
+  <mc:AlternateContent xmlns:mc="http://schemas.openxmlformats.org/markup-compatibility/2006" xmlns:p15="http://schemas.microsoft.com/office/powerpoint/2012/main">
+    <mc:Choice Requires="p15">
       <p:transition xmlns:p14="http://schemas.microsoft.com/office/powerpoint/2010/main" spd="slow" p14:dur="1250">
         <p15:prstTrans prst="pageCurlDouble"/>
       </p:transition>
     </mc:Choice>
-    <mc:Fallback>
+    <mc:Fallback xmlns="">
       <p:transition spd="slow">
         <p:fade/>
       </p:transition>
@@ -30608,13 +30566,13 @@
   <p:clrMapOvr>
     <a:masterClrMapping/>
   </p:clrMapOvr>
-  <mc:AlternateContent xmlns:mc="http://schemas.openxmlformats.org/markup-compatibility/2006">
-    <mc:Choice xmlns:p14="http://schemas.microsoft.com/office/powerpoint/2010/main" Requires="p14">
+  <mc:AlternateContent xmlns:mc="http://schemas.openxmlformats.org/markup-compatibility/2006" xmlns:p14="http://schemas.microsoft.com/office/powerpoint/2010/main">
+    <mc:Choice Requires="p14">
       <p:transition spd="slow" p14:dur="1200">
         <p14:prism/>
       </p:transition>
     </mc:Choice>
-    <mc:Fallback>
+    <mc:Fallback xmlns="">
       <p:transition spd="slow">
         <p:fade/>
       </p:transition>
@@ -31514,13 +31472,13 @@
   <p:clrMapOvr>
     <a:masterClrMapping/>
   </p:clrMapOvr>
-  <mc:AlternateContent xmlns:mc="http://schemas.openxmlformats.org/markup-compatibility/2006">
-    <mc:Choice xmlns:p14="http://schemas.microsoft.com/office/powerpoint/2010/main" Requires="p14">
+  <mc:AlternateContent xmlns:mc="http://schemas.openxmlformats.org/markup-compatibility/2006" xmlns:p14="http://schemas.microsoft.com/office/powerpoint/2010/main">
+    <mc:Choice Requires="p14">
       <p:transition spd="slow" p14:dur="1600">
         <p14:prism isInverted="1"/>
       </p:transition>
     </mc:Choice>
-    <mc:Fallback>
+    <mc:Fallback xmlns="">
       <p:transition spd="slow">
         <p:fade/>
       </p:transition>
@@ -32699,13 +32657,13 @@
   <p:clrMapOvr>
     <a:masterClrMapping/>
   </p:clrMapOvr>
-  <mc:AlternateContent xmlns:mc="http://schemas.openxmlformats.org/markup-compatibility/2006">
-    <mc:Choice xmlns:p14="http://schemas.microsoft.com/office/powerpoint/2010/main" Requires="p14">
+  <mc:AlternateContent xmlns:mc="http://schemas.openxmlformats.org/markup-compatibility/2006" xmlns:p14="http://schemas.microsoft.com/office/powerpoint/2010/main">
+    <mc:Choice Requires="p14">
       <p:transition spd="slow" p14:dur="1200">
         <p14:prism/>
       </p:transition>
     </mc:Choice>
-    <mc:Fallback>
+    <mc:Fallback xmlns="">
       <p:transition spd="slow">
         <p:fade/>
       </p:transition>
@@ -33851,13 +33809,13 @@
   <p:clrMapOvr>
     <a:masterClrMapping/>
   </p:clrMapOvr>
-  <mc:AlternateContent xmlns:mc="http://schemas.openxmlformats.org/markup-compatibility/2006">
-    <mc:Choice xmlns:p14="http://schemas.microsoft.com/office/powerpoint/2010/main" Requires="p14">
+  <mc:AlternateContent xmlns:mc="http://schemas.openxmlformats.org/markup-compatibility/2006" xmlns:p14="http://schemas.microsoft.com/office/powerpoint/2010/main">
+    <mc:Choice Requires="p14">
       <p:transition spd="slow" p14:dur="1250">
         <p14:flip dir="r"/>
       </p:transition>
     </mc:Choice>
-    <mc:Fallback>
+    <mc:Fallback xmlns="">
       <p:transition spd="slow">
         <p:fade/>
       </p:transition>
@@ -35400,13 +35358,13 @@
   <p:clrMapOvr>
     <a:masterClrMapping/>
   </p:clrMapOvr>
-  <mc:AlternateContent xmlns:mc="http://schemas.openxmlformats.org/markup-compatibility/2006">
-    <mc:Choice xmlns:p14="http://schemas.microsoft.com/office/powerpoint/2010/main" Requires="p14">
+  <mc:AlternateContent xmlns:mc="http://schemas.openxmlformats.org/markup-compatibility/2006" xmlns:p14="http://schemas.microsoft.com/office/powerpoint/2010/main">
+    <mc:Choice Requires="p14">
       <p:transition spd="slow" p14:dur="1200">
         <p14:prism/>
       </p:transition>
     </mc:Choice>
-    <mc:Fallback>
+    <mc:Fallback xmlns="">
       <p:transition spd="slow">
         <p:fade/>
       </p:transition>
@@ -35423,6 +35381,1709 @@
 </file>
 
 <file path=ppt/slides/slide37.xml><?xml version="1.0" encoding="utf-8"?>
+<p:sld xmlns:a="http://schemas.openxmlformats.org/drawingml/2006/main" xmlns:r="http://schemas.openxmlformats.org/officeDocument/2006/relationships" xmlns:p="http://schemas.openxmlformats.org/presentationml/2006/main">
+  <p:cSld>
+    <p:spTree>
+      <p:nvGrpSpPr>
+        <p:cNvPr id="1" name=""/>
+        <p:cNvGrpSpPr/>
+        <p:nvPr/>
+      </p:nvGrpSpPr>
+      <p:grpSpPr>
+        <a:xfrm>
+          <a:off x="0" y="0"/>
+          <a:ext cx="0" cy="0"/>
+          <a:chOff x="0" y="0"/>
+          <a:chExt cx="0" cy="0"/>
+        </a:xfrm>
+      </p:grpSpPr>
+      <p:pic>
+        <p:nvPicPr>
+          <p:cNvPr id="3" name="Picture 2" descr="Image result for milavitsa logo"/>
+          <p:cNvPicPr>
+            <a:picLocks noChangeAspect="1" noChangeArrowheads="1"/>
+          </p:cNvPicPr>
+          <p:nvPr/>
+        </p:nvPicPr>
+        <p:blipFill>
+          <a:blip r:embed="rId2" cstate="print">
+            <a:extLst>
+              <a:ext uri="{28A0092B-C50C-407E-A947-70E740481C1C}">
+                <a14:useLocalDpi xmlns:a14="http://schemas.microsoft.com/office/drawing/2010/main" val="0"/>
+              </a:ext>
+            </a:extLst>
+          </a:blip>
+          <a:srcRect/>
+          <a:stretch>
+            <a:fillRect/>
+          </a:stretch>
+        </p:blipFill>
+        <p:spPr bwMode="auto">
+          <a:xfrm>
+            <a:off x="152400" y="4476750"/>
+            <a:ext cx="1587500" cy="571500"/>
+          </a:xfrm>
+          <a:prstGeom prst="rect">
+            <a:avLst/>
+          </a:prstGeom>
+          <a:noFill/>
+          <a:extLst>
+            <a:ext uri="{909E8E84-426E-40DD-AFC4-6F175D3DCCD1}">
+              <a14:hiddenFill xmlns:a14="http://schemas.microsoft.com/office/drawing/2010/main">
+                <a:solidFill>
+                  <a:srgbClr val="FFFFFF"/>
+                </a:solidFill>
+              </a14:hiddenFill>
+            </a:ext>
+          </a:extLst>
+        </p:spPr>
+      </p:pic>
+      <p:pic>
+        <p:nvPicPr>
+          <p:cNvPr id="2" name="Picture 1"/>
+          <p:cNvPicPr>
+            <a:picLocks noChangeAspect="1"/>
+          </p:cNvPicPr>
+          <p:nvPr/>
+        </p:nvPicPr>
+        <p:blipFill>
+          <a:blip r:embed="rId3"/>
+          <a:stretch>
+            <a:fillRect/>
+          </a:stretch>
+        </p:blipFill>
+        <p:spPr>
+          <a:xfrm>
+            <a:off x="5715000" y="1214437"/>
+            <a:ext cx="3086100" cy="1885950"/>
+          </a:xfrm>
+          <a:prstGeom prst="round2DiagRect">
+            <a:avLst>
+              <a:gd name="adj1" fmla="val 16667"/>
+              <a:gd name="adj2" fmla="val 0"/>
+            </a:avLst>
+          </a:prstGeom>
+          <a:ln w="88900" cap="sq">
+            <a:solidFill>
+              <a:srgbClr val="FFFFFF"/>
+            </a:solidFill>
+            <a:miter lim="800000"/>
+          </a:ln>
+          <a:effectLst>
+            <a:outerShdw blurRad="254000" algn="tl" rotWithShape="0">
+              <a:srgbClr val="000000">
+                <a:alpha val="43000"/>
+              </a:srgbClr>
+            </a:outerShdw>
+          </a:effectLst>
+        </p:spPr>
+      </p:pic>
+      <p:pic>
+        <p:nvPicPr>
+          <p:cNvPr id="4" name="Picture 3"/>
+          <p:cNvPicPr>
+            <a:picLocks noChangeAspect="1"/>
+          </p:cNvPicPr>
+          <p:nvPr/>
+        </p:nvPicPr>
+        <p:blipFill>
+          <a:blip r:embed="rId4"/>
+          <a:stretch>
+            <a:fillRect/>
+          </a:stretch>
+        </p:blipFill>
+        <p:spPr>
+          <a:xfrm>
+            <a:off x="660400" y="1214437"/>
+            <a:ext cx="2990850" cy="2809875"/>
+          </a:xfrm>
+          <a:prstGeom prst="round2DiagRect">
+            <a:avLst>
+              <a:gd name="adj1" fmla="val 16667"/>
+              <a:gd name="adj2" fmla="val 0"/>
+            </a:avLst>
+          </a:prstGeom>
+          <a:ln w="88900" cap="sq">
+            <a:solidFill>
+              <a:srgbClr val="FFFFFF"/>
+            </a:solidFill>
+            <a:miter lim="800000"/>
+          </a:ln>
+          <a:effectLst>
+            <a:outerShdw blurRad="254000" algn="tl" rotWithShape="0">
+              <a:srgbClr val="000000">
+                <a:alpha val="43000"/>
+              </a:srgbClr>
+            </a:outerShdw>
+          </a:effectLst>
+        </p:spPr>
+      </p:pic>
+      <p:sp>
+        <p:nvSpPr>
+          <p:cNvPr id="10" name="Rectangle 9"/>
+          <p:cNvSpPr/>
+          <p:nvPr/>
+        </p:nvSpPr>
+        <p:spPr>
+          <a:xfrm>
+            <a:off x="5715000" y="531017"/>
+            <a:ext cx="2070100" cy="457200"/>
+          </a:xfrm>
+          <a:prstGeom prst="rect">
+            <a:avLst/>
+          </a:prstGeom>
+        </p:spPr>
+        <p:style>
+          <a:lnRef idx="2">
+            <a:schemeClr val="accent1">
+              <a:shade val="50000"/>
+            </a:schemeClr>
+          </a:lnRef>
+          <a:fillRef idx="1">
+            <a:schemeClr val="accent1"/>
+          </a:fillRef>
+          <a:effectRef idx="0">
+            <a:schemeClr val="accent1"/>
+          </a:effectRef>
+          <a:fontRef idx="minor">
+            <a:schemeClr val="lt1"/>
+          </a:fontRef>
+        </p:style>
+        <p:txBody>
+          <a:bodyPr rtlCol="0" anchor="ctr"/>
+          <a:lstStyle/>
+          <a:p>
+            <a:pPr algn="ctr"/>
+            <a:r>
+              <a:rPr lang="en-US" sz="1800" dirty="0" smtClean="0">
+                <a:latin typeface="MV Boli" panose="02000500030200090000" pitchFamily="2" charset="0"/>
+                <a:cs typeface="MV Boli" panose="02000500030200090000" pitchFamily="2" charset="0"/>
+              </a:rPr>
+              <a:t>BL_DM</a:t>
+            </a:r>
+            <a:endParaRPr lang="en-US" sz="1800" dirty="0">
+              <a:latin typeface="MV Boli" panose="02000500030200090000" pitchFamily="2" charset="0"/>
+              <a:cs typeface="MV Boli" panose="02000500030200090000" pitchFamily="2" charset="0"/>
+            </a:endParaRPr>
+          </a:p>
+        </p:txBody>
+      </p:sp>
+      <p:sp>
+        <p:nvSpPr>
+          <p:cNvPr id="11" name="Rectangle 10"/>
+          <p:cNvSpPr/>
+          <p:nvPr/>
+        </p:nvSpPr>
+        <p:spPr>
+          <a:xfrm>
+            <a:off x="660400" y="535780"/>
+            <a:ext cx="1473200" cy="452437"/>
+          </a:xfrm>
+          <a:prstGeom prst="rect">
+            <a:avLst/>
+          </a:prstGeom>
+        </p:spPr>
+        <p:style>
+          <a:lnRef idx="2">
+            <a:schemeClr val="accent1">
+              <a:shade val="50000"/>
+            </a:schemeClr>
+          </a:lnRef>
+          <a:fillRef idx="1">
+            <a:schemeClr val="accent1"/>
+          </a:fillRef>
+          <a:effectRef idx="0">
+            <a:schemeClr val="accent1"/>
+          </a:effectRef>
+          <a:fontRef idx="minor">
+            <a:schemeClr val="lt1"/>
+          </a:fontRef>
+        </p:style>
+        <p:txBody>
+          <a:bodyPr rtlCol="0" anchor="ctr"/>
+          <a:lstStyle/>
+          <a:p>
+            <a:pPr algn="ctr"/>
+            <a:r>
+              <a:rPr lang="en-US" sz="1800" dirty="0" smtClean="0">
+                <a:latin typeface="MV Boli" panose="02000500030200090000" pitchFamily="2" charset="0"/>
+                <a:cs typeface="MV Boli" panose="02000500030200090000" pitchFamily="2" charset="0"/>
+              </a:rPr>
+              <a:t>BL_3NF</a:t>
+            </a:r>
+            <a:endParaRPr lang="en-US" sz="1800" dirty="0">
+              <a:latin typeface="MV Boli" panose="02000500030200090000" pitchFamily="2" charset="0"/>
+              <a:cs typeface="MV Boli" panose="02000500030200090000" pitchFamily="2" charset="0"/>
+            </a:endParaRPr>
+          </a:p>
+        </p:txBody>
+      </p:sp>
+      <p:cxnSp>
+        <p:nvCxnSpPr>
+          <p:cNvPr id="15" name="Straight Arrow Connector 14"/>
+          <p:cNvCxnSpPr/>
+          <p:nvPr/>
+        </p:nvCxnSpPr>
+        <p:spPr>
+          <a:xfrm>
+            <a:off x="3886200" y="2343150"/>
+            <a:ext cx="1600200" cy="0"/>
+          </a:xfrm>
+          <a:prstGeom prst="straightConnector1">
+            <a:avLst/>
+          </a:prstGeom>
+          <a:ln>
+            <a:tailEnd type="triangle"/>
+          </a:ln>
+        </p:spPr>
+        <p:style>
+          <a:lnRef idx="1">
+            <a:schemeClr val="accent1"/>
+          </a:lnRef>
+          <a:fillRef idx="0">
+            <a:schemeClr val="accent1"/>
+          </a:fillRef>
+          <a:effectRef idx="0">
+            <a:schemeClr val="accent1"/>
+          </a:effectRef>
+          <a:fontRef idx="minor">
+            <a:schemeClr val="tx1"/>
+          </a:fontRef>
+        </p:style>
+      </p:cxnSp>
+    </p:spTree>
+    <p:extLst>
+      <p:ext uri="{BB962C8B-B14F-4D97-AF65-F5344CB8AC3E}">
+        <p14:creationId xmlns:p14="http://schemas.microsoft.com/office/powerpoint/2010/main" val="1516329557"/>
+      </p:ext>
+    </p:extLst>
+  </p:cSld>
+  <p:clrMapOvr>
+    <a:masterClrMapping/>
+  </p:clrMapOvr>
+  <mc:AlternateContent xmlns:mc="http://schemas.openxmlformats.org/markup-compatibility/2006" xmlns:p14="http://schemas.microsoft.com/office/powerpoint/2010/main">
+    <mc:Choice Requires="p14">
+      <p:transition spd="slow" p14:dur="1200">
+        <p14:prism/>
+      </p:transition>
+    </mc:Choice>
+    <mc:Fallback xmlns="">
+      <p:transition spd="slow">
+        <p:fade/>
+      </p:transition>
+    </mc:Fallback>
+  </mc:AlternateContent>
+  <p:timing>
+    <p:tnLst>
+      <p:par>
+        <p:cTn id="1" dur="indefinite" restart="never" nodeType="tmRoot">
+          <p:childTnLst>
+            <p:seq concurrent="1" nextAc="seek">
+              <p:cTn id="2" dur="indefinite" nodeType="mainSeq">
+                <p:childTnLst>
+                  <p:par>
+                    <p:cTn id="3" fill="hold">
+                      <p:stCondLst>
+                        <p:cond delay="indefinite"/>
+                        <p:cond evt="onBegin" delay="0">
+                          <p:tn val="2"/>
+                        </p:cond>
+                      </p:stCondLst>
+                      <p:childTnLst>
+                        <p:par>
+                          <p:cTn id="4" fill="hold">
+                            <p:stCondLst>
+                              <p:cond delay="0"/>
+                            </p:stCondLst>
+                            <p:childTnLst>
+                              <p:par>
+                                <p:cTn id="5" presetID="42" presetClass="entr" presetSubtype="0" fill="hold" grpId="0" nodeType="afterEffect">
+                                  <p:stCondLst>
+                                    <p:cond delay="0"/>
+                                  </p:stCondLst>
+                                  <p:childTnLst>
+                                    <p:set>
+                                      <p:cBhvr>
+                                        <p:cTn id="6" dur="1" fill="hold">
+                                          <p:stCondLst>
+                                            <p:cond delay="0"/>
+                                          </p:stCondLst>
+                                        </p:cTn>
+                                        <p:tgtEl>
+                                          <p:spTgt spid="11"/>
+                                        </p:tgtEl>
+                                        <p:attrNameLst>
+                                          <p:attrName>style.visibility</p:attrName>
+                                        </p:attrNameLst>
+                                      </p:cBhvr>
+                                      <p:to>
+                                        <p:strVal val="visible"/>
+                                      </p:to>
+                                    </p:set>
+                                    <p:animEffect transition="in" filter="fade">
+                                      <p:cBhvr>
+                                        <p:cTn id="7" dur="1000"/>
+                                        <p:tgtEl>
+                                          <p:spTgt spid="11"/>
+                                        </p:tgtEl>
+                                      </p:cBhvr>
+                                    </p:animEffect>
+                                    <p:anim calcmode="lin" valueType="num">
+                                      <p:cBhvr>
+                                        <p:cTn id="8" dur="1000" fill="hold"/>
+                                        <p:tgtEl>
+                                          <p:spTgt spid="11"/>
+                                        </p:tgtEl>
+                                        <p:attrNameLst>
+                                          <p:attrName>ppt_x</p:attrName>
+                                        </p:attrNameLst>
+                                      </p:cBhvr>
+                                      <p:tavLst>
+                                        <p:tav tm="0">
+                                          <p:val>
+                                            <p:strVal val="#ppt_x"/>
+                                          </p:val>
+                                        </p:tav>
+                                        <p:tav tm="100000">
+                                          <p:val>
+                                            <p:strVal val="#ppt_x"/>
+                                          </p:val>
+                                        </p:tav>
+                                      </p:tavLst>
+                                    </p:anim>
+                                    <p:anim calcmode="lin" valueType="num">
+                                      <p:cBhvr>
+                                        <p:cTn id="9" dur="1000" fill="hold"/>
+                                        <p:tgtEl>
+                                          <p:spTgt spid="11"/>
+                                        </p:tgtEl>
+                                        <p:attrNameLst>
+                                          <p:attrName>ppt_y</p:attrName>
+                                        </p:attrNameLst>
+                                      </p:cBhvr>
+                                      <p:tavLst>
+                                        <p:tav tm="0">
+                                          <p:val>
+                                            <p:strVal val="#ppt_y+.1"/>
+                                          </p:val>
+                                        </p:tav>
+                                        <p:tav tm="100000">
+                                          <p:val>
+                                            <p:strVal val="#ppt_y"/>
+                                          </p:val>
+                                        </p:tav>
+                                      </p:tavLst>
+                                    </p:anim>
+                                  </p:childTnLst>
+                                </p:cTn>
+                              </p:par>
+                            </p:childTnLst>
+                          </p:cTn>
+                        </p:par>
+                        <p:par>
+                          <p:cTn id="10" fill="hold">
+                            <p:stCondLst>
+                              <p:cond delay="1000"/>
+                            </p:stCondLst>
+                            <p:childTnLst>
+                              <p:par>
+                                <p:cTn id="11" presetID="42" presetClass="entr" presetSubtype="0" fill="hold" nodeType="afterEffect">
+                                  <p:stCondLst>
+                                    <p:cond delay="0"/>
+                                  </p:stCondLst>
+                                  <p:childTnLst>
+                                    <p:set>
+                                      <p:cBhvr>
+                                        <p:cTn id="12" dur="1" fill="hold">
+                                          <p:stCondLst>
+                                            <p:cond delay="0"/>
+                                          </p:stCondLst>
+                                        </p:cTn>
+                                        <p:tgtEl>
+                                          <p:spTgt spid="4"/>
+                                        </p:tgtEl>
+                                        <p:attrNameLst>
+                                          <p:attrName>style.visibility</p:attrName>
+                                        </p:attrNameLst>
+                                      </p:cBhvr>
+                                      <p:to>
+                                        <p:strVal val="visible"/>
+                                      </p:to>
+                                    </p:set>
+                                    <p:animEffect transition="in" filter="fade">
+                                      <p:cBhvr>
+                                        <p:cTn id="13" dur="1000"/>
+                                        <p:tgtEl>
+                                          <p:spTgt spid="4"/>
+                                        </p:tgtEl>
+                                      </p:cBhvr>
+                                    </p:animEffect>
+                                    <p:anim calcmode="lin" valueType="num">
+                                      <p:cBhvr>
+                                        <p:cTn id="14" dur="1000" fill="hold"/>
+                                        <p:tgtEl>
+                                          <p:spTgt spid="4"/>
+                                        </p:tgtEl>
+                                        <p:attrNameLst>
+                                          <p:attrName>ppt_x</p:attrName>
+                                        </p:attrNameLst>
+                                      </p:cBhvr>
+                                      <p:tavLst>
+                                        <p:tav tm="0">
+                                          <p:val>
+                                            <p:strVal val="#ppt_x"/>
+                                          </p:val>
+                                        </p:tav>
+                                        <p:tav tm="100000">
+                                          <p:val>
+                                            <p:strVal val="#ppt_x"/>
+                                          </p:val>
+                                        </p:tav>
+                                      </p:tavLst>
+                                    </p:anim>
+                                    <p:anim calcmode="lin" valueType="num">
+                                      <p:cBhvr>
+                                        <p:cTn id="15" dur="1000" fill="hold"/>
+                                        <p:tgtEl>
+                                          <p:spTgt spid="4"/>
+                                        </p:tgtEl>
+                                        <p:attrNameLst>
+                                          <p:attrName>ppt_y</p:attrName>
+                                        </p:attrNameLst>
+                                      </p:cBhvr>
+                                      <p:tavLst>
+                                        <p:tav tm="0">
+                                          <p:val>
+                                            <p:strVal val="#ppt_y+.1"/>
+                                          </p:val>
+                                        </p:tav>
+                                        <p:tav tm="100000">
+                                          <p:val>
+                                            <p:strVal val="#ppt_y"/>
+                                          </p:val>
+                                        </p:tav>
+                                      </p:tavLst>
+                                    </p:anim>
+                                  </p:childTnLst>
+                                </p:cTn>
+                              </p:par>
+                            </p:childTnLst>
+                          </p:cTn>
+                        </p:par>
+                        <p:par>
+                          <p:cTn id="16" fill="hold">
+                            <p:stCondLst>
+                              <p:cond delay="2000"/>
+                            </p:stCondLst>
+                            <p:childTnLst>
+                              <p:par>
+                                <p:cTn id="17" presetID="42" presetClass="entr" presetSubtype="0" fill="hold" nodeType="afterEffect">
+                                  <p:stCondLst>
+                                    <p:cond delay="0"/>
+                                  </p:stCondLst>
+                                  <p:childTnLst>
+                                    <p:set>
+                                      <p:cBhvr>
+                                        <p:cTn id="18" dur="1" fill="hold">
+                                          <p:stCondLst>
+                                            <p:cond delay="0"/>
+                                          </p:stCondLst>
+                                        </p:cTn>
+                                        <p:tgtEl>
+                                          <p:spTgt spid="15"/>
+                                        </p:tgtEl>
+                                        <p:attrNameLst>
+                                          <p:attrName>style.visibility</p:attrName>
+                                        </p:attrNameLst>
+                                      </p:cBhvr>
+                                      <p:to>
+                                        <p:strVal val="visible"/>
+                                      </p:to>
+                                    </p:set>
+                                    <p:animEffect transition="in" filter="fade">
+                                      <p:cBhvr>
+                                        <p:cTn id="19" dur="1000"/>
+                                        <p:tgtEl>
+                                          <p:spTgt spid="15"/>
+                                        </p:tgtEl>
+                                      </p:cBhvr>
+                                    </p:animEffect>
+                                    <p:anim calcmode="lin" valueType="num">
+                                      <p:cBhvr>
+                                        <p:cTn id="20" dur="1000" fill="hold"/>
+                                        <p:tgtEl>
+                                          <p:spTgt spid="15"/>
+                                        </p:tgtEl>
+                                        <p:attrNameLst>
+                                          <p:attrName>ppt_x</p:attrName>
+                                        </p:attrNameLst>
+                                      </p:cBhvr>
+                                      <p:tavLst>
+                                        <p:tav tm="0">
+                                          <p:val>
+                                            <p:strVal val="#ppt_x"/>
+                                          </p:val>
+                                        </p:tav>
+                                        <p:tav tm="100000">
+                                          <p:val>
+                                            <p:strVal val="#ppt_x"/>
+                                          </p:val>
+                                        </p:tav>
+                                      </p:tavLst>
+                                    </p:anim>
+                                    <p:anim calcmode="lin" valueType="num">
+                                      <p:cBhvr>
+                                        <p:cTn id="21" dur="1000" fill="hold"/>
+                                        <p:tgtEl>
+                                          <p:spTgt spid="15"/>
+                                        </p:tgtEl>
+                                        <p:attrNameLst>
+                                          <p:attrName>ppt_y</p:attrName>
+                                        </p:attrNameLst>
+                                      </p:cBhvr>
+                                      <p:tavLst>
+                                        <p:tav tm="0">
+                                          <p:val>
+                                            <p:strVal val="#ppt_y+.1"/>
+                                          </p:val>
+                                        </p:tav>
+                                        <p:tav tm="100000">
+                                          <p:val>
+                                            <p:strVal val="#ppt_y"/>
+                                          </p:val>
+                                        </p:tav>
+                                      </p:tavLst>
+                                    </p:anim>
+                                  </p:childTnLst>
+                                </p:cTn>
+                              </p:par>
+                            </p:childTnLst>
+                          </p:cTn>
+                        </p:par>
+                        <p:par>
+                          <p:cTn id="22" fill="hold">
+                            <p:stCondLst>
+                              <p:cond delay="3000"/>
+                            </p:stCondLst>
+                            <p:childTnLst>
+                              <p:par>
+                                <p:cTn id="23" presetID="42" presetClass="entr" presetSubtype="0" fill="hold" grpId="0" nodeType="afterEffect">
+                                  <p:stCondLst>
+                                    <p:cond delay="0"/>
+                                  </p:stCondLst>
+                                  <p:childTnLst>
+                                    <p:set>
+                                      <p:cBhvr>
+                                        <p:cTn id="24" dur="1" fill="hold">
+                                          <p:stCondLst>
+                                            <p:cond delay="0"/>
+                                          </p:stCondLst>
+                                        </p:cTn>
+                                        <p:tgtEl>
+                                          <p:spTgt spid="10"/>
+                                        </p:tgtEl>
+                                        <p:attrNameLst>
+                                          <p:attrName>style.visibility</p:attrName>
+                                        </p:attrNameLst>
+                                      </p:cBhvr>
+                                      <p:to>
+                                        <p:strVal val="visible"/>
+                                      </p:to>
+                                    </p:set>
+                                    <p:animEffect transition="in" filter="fade">
+                                      <p:cBhvr>
+                                        <p:cTn id="25" dur="1000"/>
+                                        <p:tgtEl>
+                                          <p:spTgt spid="10"/>
+                                        </p:tgtEl>
+                                      </p:cBhvr>
+                                    </p:animEffect>
+                                    <p:anim calcmode="lin" valueType="num">
+                                      <p:cBhvr>
+                                        <p:cTn id="26" dur="1000" fill="hold"/>
+                                        <p:tgtEl>
+                                          <p:spTgt spid="10"/>
+                                        </p:tgtEl>
+                                        <p:attrNameLst>
+                                          <p:attrName>ppt_x</p:attrName>
+                                        </p:attrNameLst>
+                                      </p:cBhvr>
+                                      <p:tavLst>
+                                        <p:tav tm="0">
+                                          <p:val>
+                                            <p:strVal val="#ppt_x"/>
+                                          </p:val>
+                                        </p:tav>
+                                        <p:tav tm="100000">
+                                          <p:val>
+                                            <p:strVal val="#ppt_x"/>
+                                          </p:val>
+                                        </p:tav>
+                                      </p:tavLst>
+                                    </p:anim>
+                                    <p:anim calcmode="lin" valueType="num">
+                                      <p:cBhvr>
+                                        <p:cTn id="27" dur="1000" fill="hold"/>
+                                        <p:tgtEl>
+                                          <p:spTgt spid="10"/>
+                                        </p:tgtEl>
+                                        <p:attrNameLst>
+                                          <p:attrName>ppt_y</p:attrName>
+                                        </p:attrNameLst>
+                                      </p:cBhvr>
+                                      <p:tavLst>
+                                        <p:tav tm="0">
+                                          <p:val>
+                                            <p:strVal val="#ppt_y+.1"/>
+                                          </p:val>
+                                        </p:tav>
+                                        <p:tav tm="100000">
+                                          <p:val>
+                                            <p:strVal val="#ppt_y"/>
+                                          </p:val>
+                                        </p:tav>
+                                      </p:tavLst>
+                                    </p:anim>
+                                  </p:childTnLst>
+                                </p:cTn>
+                              </p:par>
+                            </p:childTnLst>
+                          </p:cTn>
+                        </p:par>
+                        <p:par>
+                          <p:cTn id="28" fill="hold">
+                            <p:stCondLst>
+                              <p:cond delay="4000"/>
+                            </p:stCondLst>
+                            <p:childTnLst>
+                              <p:par>
+                                <p:cTn id="29" presetID="42" presetClass="entr" presetSubtype="0" fill="hold" nodeType="afterEffect">
+                                  <p:stCondLst>
+                                    <p:cond delay="0"/>
+                                  </p:stCondLst>
+                                  <p:childTnLst>
+                                    <p:set>
+                                      <p:cBhvr>
+                                        <p:cTn id="30" dur="1" fill="hold">
+                                          <p:stCondLst>
+                                            <p:cond delay="0"/>
+                                          </p:stCondLst>
+                                        </p:cTn>
+                                        <p:tgtEl>
+                                          <p:spTgt spid="2"/>
+                                        </p:tgtEl>
+                                        <p:attrNameLst>
+                                          <p:attrName>style.visibility</p:attrName>
+                                        </p:attrNameLst>
+                                      </p:cBhvr>
+                                      <p:to>
+                                        <p:strVal val="visible"/>
+                                      </p:to>
+                                    </p:set>
+                                    <p:animEffect transition="in" filter="fade">
+                                      <p:cBhvr>
+                                        <p:cTn id="31" dur="1000"/>
+                                        <p:tgtEl>
+                                          <p:spTgt spid="2"/>
+                                        </p:tgtEl>
+                                      </p:cBhvr>
+                                    </p:animEffect>
+                                    <p:anim calcmode="lin" valueType="num">
+                                      <p:cBhvr>
+                                        <p:cTn id="32" dur="1000" fill="hold"/>
+                                        <p:tgtEl>
+                                          <p:spTgt spid="2"/>
+                                        </p:tgtEl>
+                                        <p:attrNameLst>
+                                          <p:attrName>ppt_x</p:attrName>
+                                        </p:attrNameLst>
+                                      </p:cBhvr>
+                                      <p:tavLst>
+                                        <p:tav tm="0">
+                                          <p:val>
+                                            <p:strVal val="#ppt_x"/>
+                                          </p:val>
+                                        </p:tav>
+                                        <p:tav tm="100000">
+                                          <p:val>
+                                            <p:strVal val="#ppt_x"/>
+                                          </p:val>
+                                        </p:tav>
+                                      </p:tavLst>
+                                    </p:anim>
+                                    <p:anim calcmode="lin" valueType="num">
+                                      <p:cBhvr>
+                                        <p:cTn id="33" dur="1000" fill="hold"/>
+                                        <p:tgtEl>
+                                          <p:spTgt spid="2"/>
+                                        </p:tgtEl>
+                                        <p:attrNameLst>
+                                          <p:attrName>ppt_y</p:attrName>
+                                        </p:attrNameLst>
+                                      </p:cBhvr>
+                                      <p:tavLst>
+                                        <p:tav tm="0">
+                                          <p:val>
+                                            <p:strVal val="#ppt_y+.1"/>
+                                          </p:val>
+                                        </p:tav>
+                                        <p:tav tm="100000">
+                                          <p:val>
+                                            <p:strVal val="#ppt_y"/>
+                                          </p:val>
+                                        </p:tav>
+                                      </p:tavLst>
+                                    </p:anim>
+                                  </p:childTnLst>
+                                </p:cTn>
+                              </p:par>
+                            </p:childTnLst>
+                          </p:cTn>
+                        </p:par>
+                      </p:childTnLst>
+                    </p:cTn>
+                  </p:par>
+                </p:childTnLst>
+              </p:cTn>
+              <p:prevCondLst>
+                <p:cond evt="onPrev" delay="0">
+                  <p:tgtEl>
+                    <p:sldTgt/>
+                  </p:tgtEl>
+                </p:cond>
+              </p:prevCondLst>
+              <p:nextCondLst>
+                <p:cond evt="onNext" delay="0">
+                  <p:tgtEl>
+                    <p:sldTgt/>
+                  </p:tgtEl>
+                </p:cond>
+              </p:nextCondLst>
+            </p:seq>
+          </p:childTnLst>
+        </p:cTn>
+      </p:par>
+    </p:tnLst>
+    <p:bldLst>
+      <p:bldP spid="10" grpId="0" animBg="1"/>
+      <p:bldP spid="11" grpId="0" animBg="1"/>
+    </p:bldLst>
+  </p:timing>
+</p:sld>
+</file>
+
+<file path=ppt/slides/slide38.xml><?xml version="1.0" encoding="utf-8"?>
+<p:sld xmlns:a="http://schemas.openxmlformats.org/drawingml/2006/main" xmlns:r="http://schemas.openxmlformats.org/officeDocument/2006/relationships" xmlns:p="http://schemas.openxmlformats.org/presentationml/2006/main">
+  <p:cSld>
+    <p:spTree>
+      <p:nvGrpSpPr>
+        <p:cNvPr id="1" name=""/>
+        <p:cNvGrpSpPr/>
+        <p:nvPr/>
+      </p:nvGrpSpPr>
+      <p:grpSpPr>
+        <a:xfrm>
+          <a:off x="0" y="0"/>
+          <a:ext cx="0" cy="0"/>
+          <a:chOff x="0" y="0"/>
+          <a:chExt cx="0" cy="0"/>
+        </a:xfrm>
+      </p:grpSpPr>
+      <p:pic>
+        <p:nvPicPr>
+          <p:cNvPr id="3" name="Picture 2" descr="Image result for milavitsa logo"/>
+          <p:cNvPicPr>
+            <a:picLocks noChangeAspect="1" noChangeArrowheads="1"/>
+          </p:cNvPicPr>
+          <p:nvPr/>
+        </p:nvPicPr>
+        <p:blipFill>
+          <a:blip r:embed="rId2" cstate="print">
+            <a:extLst>
+              <a:ext uri="{28A0092B-C50C-407E-A947-70E740481C1C}">
+                <a14:useLocalDpi xmlns:a14="http://schemas.microsoft.com/office/drawing/2010/main" val="0"/>
+              </a:ext>
+            </a:extLst>
+          </a:blip>
+          <a:srcRect/>
+          <a:stretch>
+            <a:fillRect/>
+          </a:stretch>
+        </p:blipFill>
+        <p:spPr bwMode="auto">
+          <a:xfrm>
+            <a:off x="152400" y="4476750"/>
+            <a:ext cx="1587500" cy="571500"/>
+          </a:xfrm>
+          <a:prstGeom prst="rect">
+            <a:avLst/>
+          </a:prstGeom>
+          <a:noFill/>
+          <a:extLst>
+            <a:ext uri="{909E8E84-426E-40DD-AFC4-6F175D3DCCD1}">
+              <a14:hiddenFill xmlns:a14="http://schemas.microsoft.com/office/drawing/2010/main">
+                <a:solidFill>
+                  <a:srgbClr val="FFFFFF"/>
+                </a:solidFill>
+              </a14:hiddenFill>
+            </a:ext>
+          </a:extLst>
+        </p:spPr>
+      </p:pic>
+      <p:sp>
+        <p:nvSpPr>
+          <p:cNvPr id="11" name="Rectangle 10"/>
+          <p:cNvSpPr/>
+          <p:nvPr/>
+        </p:nvSpPr>
+        <p:spPr>
+          <a:xfrm>
+            <a:off x="660400" y="535780"/>
+            <a:ext cx="1473200" cy="452437"/>
+          </a:xfrm>
+          <a:prstGeom prst="rect">
+            <a:avLst/>
+          </a:prstGeom>
+        </p:spPr>
+        <p:style>
+          <a:lnRef idx="2">
+            <a:schemeClr val="accent1">
+              <a:shade val="50000"/>
+            </a:schemeClr>
+          </a:lnRef>
+          <a:fillRef idx="1">
+            <a:schemeClr val="accent1"/>
+          </a:fillRef>
+          <a:effectRef idx="0">
+            <a:schemeClr val="accent1"/>
+          </a:effectRef>
+          <a:fontRef idx="minor">
+            <a:schemeClr val="lt1"/>
+          </a:fontRef>
+        </p:style>
+        <p:txBody>
+          <a:bodyPr rtlCol="0" anchor="ctr"/>
+          <a:lstStyle/>
+          <a:p>
+            <a:pPr algn="ctr"/>
+            <a:r>
+              <a:rPr lang="en-US" sz="1800" dirty="0" smtClean="0">
+                <a:latin typeface="MV Boli" panose="02000500030200090000" pitchFamily="2" charset="0"/>
+                <a:cs typeface="MV Boli" panose="02000500030200090000" pitchFamily="2" charset="0"/>
+              </a:rPr>
+              <a:t>BL_3NF</a:t>
+            </a:r>
+            <a:endParaRPr lang="en-US" sz="1800" dirty="0">
+              <a:latin typeface="MV Boli" panose="02000500030200090000" pitchFamily="2" charset="0"/>
+              <a:cs typeface="MV Boli" panose="02000500030200090000" pitchFamily="2" charset="0"/>
+            </a:endParaRPr>
+          </a:p>
+        </p:txBody>
+      </p:sp>
+      <p:pic>
+        <p:nvPicPr>
+          <p:cNvPr id="5" name="Picture 4"/>
+          <p:cNvPicPr>
+            <a:picLocks noChangeAspect="1"/>
+          </p:cNvPicPr>
+          <p:nvPr/>
+        </p:nvPicPr>
+        <p:blipFill>
+          <a:blip r:embed="rId3"/>
+          <a:stretch>
+            <a:fillRect/>
+          </a:stretch>
+        </p:blipFill>
+        <p:spPr>
+          <a:xfrm>
+            <a:off x="660400" y="1285875"/>
+            <a:ext cx="6086475" cy="3190875"/>
+          </a:xfrm>
+          <a:prstGeom prst="rect">
+            <a:avLst/>
+          </a:prstGeom>
+        </p:spPr>
+      </p:pic>
+    </p:spTree>
+    <p:extLst>
+      <p:ext uri="{BB962C8B-B14F-4D97-AF65-F5344CB8AC3E}">
+        <p14:creationId xmlns:p14="http://schemas.microsoft.com/office/powerpoint/2010/main" val="726813220"/>
+      </p:ext>
+    </p:extLst>
+  </p:cSld>
+  <p:clrMapOvr>
+    <a:masterClrMapping/>
+  </p:clrMapOvr>
+  <mc:AlternateContent xmlns:mc="http://schemas.openxmlformats.org/markup-compatibility/2006" xmlns:p14="http://schemas.microsoft.com/office/powerpoint/2010/main">
+    <mc:Choice Requires="p14">
+      <p:transition spd="slow" p14:dur="1200">
+        <p14:prism/>
+      </p:transition>
+    </mc:Choice>
+    <mc:Fallback xmlns="">
+      <p:transition spd="slow">
+        <p:fade/>
+      </p:transition>
+    </mc:Fallback>
+  </mc:AlternateContent>
+  <p:timing>
+    <p:tnLst>
+      <p:par>
+        <p:cTn id="1" dur="indefinite" restart="never" nodeType="tmRoot">
+          <p:childTnLst>
+            <p:seq concurrent="1" nextAc="seek">
+              <p:cTn id="2" dur="indefinite" nodeType="mainSeq">
+                <p:childTnLst>
+                  <p:par>
+                    <p:cTn id="3" fill="hold">
+                      <p:stCondLst>
+                        <p:cond delay="indefinite"/>
+                        <p:cond evt="onBegin" delay="0">
+                          <p:tn val="2"/>
+                        </p:cond>
+                      </p:stCondLst>
+                      <p:childTnLst>
+                        <p:par>
+                          <p:cTn id="4" fill="hold">
+                            <p:stCondLst>
+                              <p:cond delay="0"/>
+                            </p:stCondLst>
+                            <p:childTnLst>
+                              <p:par>
+                                <p:cTn id="5" presetID="42" presetClass="entr" presetSubtype="0" fill="hold" grpId="0" nodeType="afterEffect">
+                                  <p:stCondLst>
+                                    <p:cond delay="0"/>
+                                  </p:stCondLst>
+                                  <p:childTnLst>
+                                    <p:set>
+                                      <p:cBhvr>
+                                        <p:cTn id="6" dur="1" fill="hold">
+                                          <p:stCondLst>
+                                            <p:cond delay="0"/>
+                                          </p:stCondLst>
+                                        </p:cTn>
+                                        <p:tgtEl>
+                                          <p:spTgt spid="11"/>
+                                        </p:tgtEl>
+                                        <p:attrNameLst>
+                                          <p:attrName>style.visibility</p:attrName>
+                                        </p:attrNameLst>
+                                      </p:cBhvr>
+                                      <p:to>
+                                        <p:strVal val="visible"/>
+                                      </p:to>
+                                    </p:set>
+                                    <p:animEffect transition="in" filter="fade">
+                                      <p:cBhvr>
+                                        <p:cTn id="7" dur="1000"/>
+                                        <p:tgtEl>
+                                          <p:spTgt spid="11"/>
+                                        </p:tgtEl>
+                                      </p:cBhvr>
+                                    </p:animEffect>
+                                    <p:anim calcmode="lin" valueType="num">
+                                      <p:cBhvr>
+                                        <p:cTn id="8" dur="1000" fill="hold"/>
+                                        <p:tgtEl>
+                                          <p:spTgt spid="11"/>
+                                        </p:tgtEl>
+                                        <p:attrNameLst>
+                                          <p:attrName>ppt_x</p:attrName>
+                                        </p:attrNameLst>
+                                      </p:cBhvr>
+                                      <p:tavLst>
+                                        <p:tav tm="0">
+                                          <p:val>
+                                            <p:strVal val="#ppt_x"/>
+                                          </p:val>
+                                        </p:tav>
+                                        <p:tav tm="100000">
+                                          <p:val>
+                                            <p:strVal val="#ppt_x"/>
+                                          </p:val>
+                                        </p:tav>
+                                      </p:tavLst>
+                                    </p:anim>
+                                    <p:anim calcmode="lin" valueType="num">
+                                      <p:cBhvr>
+                                        <p:cTn id="9" dur="1000" fill="hold"/>
+                                        <p:tgtEl>
+                                          <p:spTgt spid="11"/>
+                                        </p:tgtEl>
+                                        <p:attrNameLst>
+                                          <p:attrName>ppt_y</p:attrName>
+                                        </p:attrNameLst>
+                                      </p:cBhvr>
+                                      <p:tavLst>
+                                        <p:tav tm="0">
+                                          <p:val>
+                                            <p:strVal val="#ppt_y+.1"/>
+                                          </p:val>
+                                        </p:tav>
+                                        <p:tav tm="100000">
+                                          <p:val>
+                                            <p:strVal val="#ppt_y"/>
+                                          </p:val>
+                                        </p:tav>
+                                      </p:tavLst>
+                                    </p:anim>
+                                  </p:childTnLst>
+                                </p:cTn>
+                              </p:par>
+                            </p:childTnLst>
+                          </p:cTn>
+                        </p:par>
+                        <p:par>
+                          <p:cTn id="10" fill="hold">
+                            <p:stCondLst>
+                              <p:cond delay="1000"/>
+                            </p:stCondLst>
+                            <p:childTnLst>
+                              <p:par>
+                                <p:cTn id="11" presetID="42" presetClass="entr" presetSubtype="0" fill="hold" nodeType="afterEffect">
+                                  <p:stCondLst>
+                                    <p:cond delay="0"/>
+                                  </p:stCondLst>
+                                  <p:childTnLst>
+                                    <p:set>
+                                      <p:cBhvr>
+                                        <p:cTn id="12" dur="1" fill="hold">
+                                          <p:stCondLst>
+                                            <p:cond delay="0"/>
+                                          </p:stCondLst>
+                                        </p:cTn>
+                                        <p:tgtEl>
+                                          <p:spTgt spid="5"/>
+                                        </p:tgtEl>
+                                        <p:attrNameLst>
+                                          <p:attrName>style.visibility</p:attrName>
+                                        </p:attrNameLst>
+                                      </p:cBhvr>
+                                      <p:to>
+                                        <p:strVal val="visible"/>
+                                      </p:to>
+                                    </p:set>
+                                    <p:animEffect transition="in" filter="fade">
+                                      <p:cBhvr>
+                                        <p:cTn id="13" dur="1000"/>
+                                        <p:tgtEl>
+                                          <p:spTgt spid="5"/>
+                                        </p:tgtEl>
+                                      </p:cBhvr>
+                                    </p:animEffect>
+                                    <p:anim calcmode="lin" valueType="num">
+                                      <p:cBhvr>
+                                        <p:cTn id="14" dur="1000" fill="hold"/>
+                                        <p:tgtEl>
+                                          <p:spTgt spid="5"/>
+                                        </p:tgtEl>
+                                        <p:attrNameLst>
+                                          <p:attrName>ppt_x</p:attrName>
+                                        </p:attrNameLst>
+                                      </p:cBhvr>
+                                      <p:tavLst>
+                                        <p:tav tm="0">
+                                          <p:val>
+                                            <p:strVal val="#ppt_x"/>
+                                          </p:val>
+                                        </p:tav>
+                                        <p:tav tm="100000">
+                                          <p:val>
+                                            <p:strVal val="#ppt_x"/>
+                                          </p:val>
+                                        </p:tav>
+                                      </p:tavLst>
+                                    </p:anim>
+                                    <p:anim calcmode="lin" valueType="num">
+                                      <p:cBhvr>
+                                        <p:cTn id="15" dur="1000" fill="hold"/>
+                                        <p:tgtEl>
+                                          <p:spTgt spid="5"/>
+                                        </p:tgtEl>
+                                        <p:attrNameLst>
+                                          <p:attrName>ppt_y</p:attrName>
+                                        </p:attrNameLst>
+                                      </p:cBhvr>
+                                      <p:tavLst>
+                                        <p:tav tm="0">
+                                          <p:val>
+                                            <p:strVal val="#ppt_y+.1"/>
+                                          </p:val>
+                                        </p:tav>
+                                        <p:tav tm="100000">
+                                          <p:val>
+                                            <p:strVal val="#ppt_y"/>
+                                          </p:val>
+                                        </p:tav>
+                                      </p:tavLst>
+                                    </p:anim>
+                                  </p:childTnLst>
+                                </p:cTn>
+                              </p:par>
+                            </p:childTnLst>
+                          </p:cTn>
+                        </p:par>
+                      </p:childTnLst>
+                    </p:cTn>
+                  </p:par>
+                </p:childTnLst>
+              </p:cTn>
+              <p:prevCondLst>
+                <p:cond evt="onPrev" delay="0">
+                  <p:tgtEl>
+                    <p:sldTgt/>
+                  </p:tgtEl>
+                </p:cond>
+              </p:prevCondLst>
+              <p:nextCondLst>
+                <p:cond evt="onNext" delay="0">
+                  <p:tgtEl>
+                    <p:sldTgt/>
+                  </p:tgtEl>
+                </p:cond>
+              </p:nextCondLst>
+            </p:seq>
+          </p:childTnLst>
+        </p:cTn>
+      </p:par>
+    </p:tnLst>
+    <p:bldLst>
+      <p:bldP spid="11" grpId="0" animBg="1"/>
+    </p:bldLst>
+  </p:timing>
+</p:sld>
+</file>
+
+<file path=ppt/slides/slide39.xml><?xml version="1.0" encoding="utf-8"?>
+<p:sld xmlns:a="http://schemas.openxmlformats.org/drawingml/2006/main" xmlns:r="http://schemas.openxmlformats.org/officeDocument/2006/relationships" xmlns:p="http://schemas.openxmlformats.org/presentationml/2006/main">
+  <p:cSld>
+    <p:spTree>
+      <p:nvGrpSpPr>
+        <p:cNvPr id="1" name=""/>
+        <p:cNvGrpSpPr/>
+        <p:nvPr/>
+      </p:nvGrpSpPr>
+      <p:grpSpPr>
+        <a:xfrm>
+          <a:off x="0" y="0"/>
+          <a:ext cx="0" cy="0"/>
+          <a:chOff x="0" y="0"/>
+          <a:chExt cx="0" cy="0"/>
+        </a:xfrm>
+      </p:grpSpPr>
+      <p:pic>
+        <p:nvPicPr>
+          <p:cNvPr id="3" name="Picture 2" descr="Image result for milavitsa logo"/>
+          <p:cNvPicPr>
+            <a:picLocks noChangeAspect="1" noChangeArrowheads="1"/>
+          </p:cNvPicPr>
+          <p:nvPr/>
+        </p:nvPicPr>
+        <p:blipFill>
+          <a:blip r:embed="rId2" cstate="print">
+            <a:extLst>
+              <a:ext uri="{28A0092B-C50C-407E-A947-70E740481C1C}">
+                <a14:useLocalDpi xmlns:a14="http://schemas.microsoft.com/office/drawing/2010/main" val="0"/>
+              </a:ext>
+            </a:extLst>
+          </a:blip>
+          <a:srcRect/>
+          <a:stretch>
+            <a:fillRect/>
+          </a:stretch>
+        </p:blipFill>
+        <p:spPr bwMode="auto">
+          <a:xfrm>
+            <a:off x="152400" y="4476750"/>
+            <a:ext cx="1587500" cy="571500"/>
+          </a:xfrm>
+          <a:prstGeom prst="rect">
+            <a:avLst/>
+          </a:prstGeom>
+          <a:noFill/>
+          <a:extLst>
+            <a:ext uri="{909E8E84-426E-40DD-AFC4-6F175D3DCCD1}">
+              <a14:hiddenFill xmlns:a14="http://schemas.microsoft.com/office/drawing/2010/main">
+                <a:solidFill>
+                  <a:srgbClr val="FFFFFF"/>
+                </a:solidFill>
+              </a14:hiddenFill>
+            </a:ext>
+          </a:extLst>
+        </p:spPr>
+      </p:pic>
+      <p:sp>
+        <p:nvSpPr>
+          <p:cNvPr id="10" name="Rectangle 9"/>
+          <p:cNvSpPr/>
+          <p:nvPr/>
+        </p:nvSpPr>
+        <p:spPr>
+          <a:xfrm>
+            <a:off x="641350" y="485775"/>
+            <a:ext cx="2070100" cy="457200"/>
+          </a:xfrm>
+          <a:prstGeom prst="rect">
+            <a:avLst/>
+          </a:prstGeom>
+        </p:spPr>
+        <p:style>
+          <a:lnRef idx="2">
+            <a:schemeClr val="accent1">
+              <a:shade val="50000"/>
+            </a:schemeClr>
+          </a:lnRef>
+          <a:fillRef idx="1">
+            <a:schemeClr val="accent1"/>
+          </a:fillRef>
+          <a:effectRef idx="0">
+            <a:schemeClr val="accent1"/>
+          </a:effectRef>
+          <a:fontRef idx="minor">
+            <a:schemeClr val="lt1"/>
+          </a:fontRef>
+        </p:style>
+        <p:txBody>
+          <a:bodyPr rtlCol="0" anchor="ctr"/>
+          <a:lstStyle/>
+          <a:p>
+            <a:pPr algn="ctr"/>
+            <a:r>
+              <a:rPr lang="en-US" sz="1800" dirty="0" smtClean="0">
+                <a:latin typeface="MV Boli" panose="02000500030200090000" pitchFamily="2" charset="0"/>
+                <a:cs typeface="MV Boli" panose="02000500030200090000" pitchFamily="2" charset="0"/>
+              </a:rPr>
+              <a:t>BL_DM</a:t>
+            </a:r>
+            <a:endParaRPr lang="en-US" sz="1800" dirty="0">
+              <a:latin typeface="MV Boli" panose="02000500030200090000" pitchFamily="2" charset="0"/>
+              <a:cs typeface="MV Boli" panose="02000500030200090000" pitchFamily="2" charset="0"/>
+            </a:endParaRPr>
+          </a:p>
+        </p:txBody>
+      </p:sp>
+      <p:pic>
+        <p:nvPicPr>
+          <p:cNvPr id="2" name="Picture 1"/>
+          <p:cNvPicPr>
+            <a:picLocks noChangeAspect="1"/>
+          </p:cNvPicPr>
+          <p:nvPr/>
+        </p:nvPicPr>
+        <p:blipFill>
+          <a:blip r:embed="rId3"/>
+          <a:stretch>
+            <a:fillRect/>
+          </a:stretch>
+        </p:blipFill>
+        <p:spPr>
+          <a:xfrm>
+            <a:off x="622300" y="1352550"/>
+            <a:ext cx="7448550" cy="2047875"/>
+          </a:xfrm>
+          <a:prstGeom prst="rect">
+            <a:avLst/>
+          </a:prstGeom>
+        </p:spPr>
+      </p:pic>
+    </p:spTree>
+    <p:extLst>
+      <p:ext uri="{BB962C8B-B14F-4D97-AF65-F5344CB8AC3E}">
+        <p14:creationId xmlns:p14="http://schemas.microsoft.com/office/powerpoint/2010/main" val="1013743445"/>
+      </p:ext>
+    </p:extLst>
+  </p:cSld>
+  <p:clrMapOvr>
+    <a:masterClrMapping/>
+  </p:clrMapOvr>
+  <mc:AlternateContent xmlns:mc="http://schemas.openxmlformats.org/markup-compatibility/2006" xmlns:p14="http://schemas.microsoft.com/office/powerpoint/2010/main">
+    <mc:Choice Requires="p14">
+      <p:transition spd="slow" p14:dur="1200">
+        <p14:prism/>
+      </p:transition>
+    </mc:Choice>
+    <mc:Fallback xmlns="">
+      <p:transition spd="slow">
+        <p:fade/>
+      </p:transition>
+    </mc:Fallback>
+  </mc:AlternateContent>
+  <p:timing>
+    <p:tnLst>
+      <p:par>
+        <p:cTn id="1" dur="indefinite" restart="never" nodeType="tmRoot">
+          <p:childTnLst>
+            <p:seq concurrent="1" nextAc="seek">
+              <p:cTn id="2" dur="indefinite" nodeType="mainSeq">
+                <p:childTnLst>
+                  <p:par>
+                    <p:cTn id="3" fill="hold">
+                      <p:stCondLst>
+                        <p:cond delay="indefinite"/>
+                        <p:cond evt="onBegin" delay="0">
+                          <p:tn val="2"/>
+                        </p:cond>
+                      </p:stCondLst>
+                      <p:childTnLst>
+                        <p:par>
+                          <p:cTn id="4" fill="hold">
+                            <p:stCondLst>
+                              <p:cond delay="0"/>
+                            </p:stCondLst>
+                            <p:childTnLst>
+                              <p:par>
+                                <p:cTn id="5" presetID="42" presetClass="entr" presetSubtype="0" fill="hold" grpId="0" nodeType="afterEffect">
+                                  <p:stCondLst>
+                                    <p:cond delay="0"/>
+                                  </p:stCondLst>
+                                  <p:childTnLst>
+                                    <p:set>
+                                      <p:cBhvr>
+                                        <p:cTn id="6" dur="1" fill="hold">
+                                          <p:stCondLst>
+                                            <p:cond delay="0"/>
+                                          </p:stCondLst>
+                                        </p:cTn>
+                                        <p:tgtEl>
+                                          <p:spTgt spid="10"/>
+                                        </p:tgtEl>
+                                        <p:attrNameLst>
+                                          <p:attrName>style.visibility</p:attrName>
+                                        </p:attrNameLst>
+                                      </p:cBhvr>
+                                      <p:to>
+                                        <p:strVal val="visible"/>
+                                      </p:to>
+                                    </p:set>
+                                    <p:animEffect transition="in" filter="fade">
+                                      <p:cBhvr>
+                                        <p:cTn id="7" dur="1000"/>
+                                        <p:tgtEl>
+                                          <p:spTgt spid="10"/>
+                                        </p:tgtEl>
+                                      </p:cBhvr>
+                                    </p:animEffect>
+                                    <p:anim calcmode="lin" valueType="num">
+                                      <p:cBhvr>
+                                        <p:cTn id="8" dur="1000" fill="hold"/>
+                                        <p:tgtEl>
+                                          <p:spTgt spid="10"/>
+                                        </p:tgtEl>
+                                        <p:attrNameLst>
+                                          <p:attrName>ppt_x</p:attrName>
+                                        </p:attrNameLst>
+                                      </p:cBhvr>
+                                      <p:tavLst>
+                                        <p:tav tm="0">
+                                          <p:val>
+                                            <p:strVal val="#ppt_x"/>
+                                          </p:val>
+                                        </p:tav>
+                                        <p:tav tm="100000">
+                                          <p:val>
+                                            <p:strVal val="#ppt_x"/>
+                                          </p:val>
+                                        </p:tav>
+                                      </p:tavLst>
+                                    </p:anim>
+                                    <p:anim calcmode="lin" valueType="num">
+                                      <p:cBhvr>
+                                        <p:cTn id="9" dur="1000" fill="hold"/>
+                                        <p:tgtEl>
+                                          <p:spTgt spid="10"/>
+                                        </p:tgtEl>
+                                        <p:attrNameLst>
+                                          <p:attrName>ppt_y</p:attrName>
+                                        </p:attrNameLst>
+                                      </p:cBhvr>
+                                      <p:tavLst>
+                                        <p:tav tm="0">
+                                          <p:val>
+                                            <p:strVal val="#ppt_y+.1"/>
+                                          </p:val>
+                                        </p:tav>
+                                        <p:tav tm="100000">
+                                          <p:val>
+                                            <p:strVal val="#ppt_y"/>
+                                          </p:val>
+                                        </p:tav>
+                                      </p:tavLst>
+                                    </p:anim>
+                                  </p:childTnLst>
+                                </p:cTn>
+                              </p:par>
+                            </p:childTnLst>
+                          </p:cTn>
+                        </p:par>
+                        <p:par>
+                          <p:cTn id="10" fill="hold">
+                            <p:stCondLst>
+                              <p:cond delay="1000"/>
+                            </p:stCondLst>
+                            <p:childTnLst>
+                              <p:par>
+                                <p:cTn id="11" presetID="42" presetClass="entr" presetSubtype="0" fill="hold" nodeType="afterEffect">
+                                  <p:stCondLst>
+                                    <p:cond delay="0"/>
+                                  </p:stCondLst>
+                                  <p:childTnLst>
+                                    <p:set>
+                                      <p:cBhvr>
+                                        <p:cTn id="12" dur="1" fill="hold">
+                                          <p:stCondLst>
+                                            <p:cond delay="0"/>
+                                          </p:stCondLst>
+                                        </p:cTn>
+                                        <p:tgtEl>
+                                          <p:spTgt spid="2"/>
+                                        </p:tgtEl>
+                                        <p:attrNameLst>
+                                          <p:attrName>style.visibility</p:attrName>
+                                        </p:attrNameLst>
+                                      </p:cBhvr>
+                                      <p:to>
+                                        <p:strVal val="visible"/>
+                                      </p:to>
+                                    </p:set>
+                                    <p:animEffect transition="in" filter="fade">
+                                      <p:cBhvr>
+                                        <p:cTn id="13" dur="1000"/>
+                                        <p:tgtEl>
+                                          <p:spTgt spid="2"/>
+                                        </p:tgtEl>
+                                      </p:cBhvr>
+                                    </p:animEffect>
+                                    <p:anim calcmode="lin" valueType="num">
+                                      <p:cBhvr>
+                                        <p:cTn id="14" dur="1000" fill="hold"/>
+                                        <p:tgtEl>
+                                          <p:spTgt spid="2"/>
+                                        </p:tgtEl>
+                                        <p:attrNameLst>
+                                          <p:attrName>ppt_x</p:attrName>
+                                        </p:attrNameLst>
+                                      </p:cBhvr>
+                                      <p:tavLst>
+                                        <p:tav tm="0">
+                                          <p:val>
+                                            <p:strVal val="#ppt_x"/>
+                                          </p:val>
+                                        </p:tav>
+                                        <p:tav tm="100000">
+                                          <p:val>
+                                            <p:strVal val="#ppt_x"/>
+                                          </p:val>
+                                        </p:tav>
+                                      </p:tavLst>
+                                    </p:anim>
+                                    <p:anim calcmode="lin" valueType="num">
+                                      <p:cBhvr>
+                                        <p:cTn id="15" dur="1000" fill="hold"/>
+                                        <p:tgtEl>
+                                          <p:spTgt spid="2"/>
+                                        </p:tgtEl>
+                                        <p:attrNameLst>
+                                          <p:attrName>ppt_y</p:attrName>
+                                        </p:attrNameLst>
+                                      </p:cBhvr>
+                                      <p:tavLst>
+                                        <p:tav tm="0">
+                                          <p:val>
+                                            <p:strVal val="#ppt_y+.1"/>
+                                          </p:val>
+                                        </p:tav>
+                                        <p:tav tm="100000">
+                                          <p:val>
+                                            <p:strVal val="#ppt_y"/>
+                                          </p:val>
+                                        </p:tav>
+                                      </p:tavLst>
+                                    </p:anim>
+                                  </p:childTnLst>
+                                </p:cTn>
+                              </p:par>
+                            </p:childTnLst>
+                          </p:cTn>
+                        </p:par>
+                      </p:childTnLst>
+                    </p:cTn>
+                  </p:par>
+                </p:childTnLst>
+              </p:cTn>
+              <p:prevCondLst>
+                <p:cond evt="onPrev" delay="0">
+                  <p:tgtEl>
+                    <p:sldTgt/>
+                  </p:tgtEl>
+                </p:cond>
+              </p:prevCondLst>
+              <p:nextCondLst>
+                <p:cond evt="onNext" delay="0">
+                  <p:tgtEl>
+                    <p:sldTgt/>
+                  </p:tgtEl>
+                </p:cond>
+              </p:nextCondLst>
+            </p:seq>
+          </p:childTnLst>
+        </p:cTn>
+      </p:par>
+    </p:tnLst>
+    <p:bldLst>
+      <p:bldP spid="10" grpId="0" animBg="1"/>
+    </p:bldLst>
+  </p:timing>
+</p:sld>
+</file>
+
+<file path=ppt/slides/slide4.xml><?xml version="1.0" encoding="utf-8"?>
+<p:sld xmlns:a="http://schemas.openxmlformats.org/drawingml/2006/main" xmlns:r="http://schemas.openxmlformats.org/officeDocument/2006/relationships" xmlns:p="http://schemas.openxmlformats.org/presentationml/2006/main">
+  <p:cSld>
+    <p:spTree>
+      <p:nvGrpSpPr>
+        <p:cNvPr id="1" name=""/>
+        <p:cNvGrpSpPr/>
+        <p:nvPr/>
+      </p:nvGrpSpPr>
+      <p:grpSpPr>
+        <a:xfrm>
+          <a:off x="0" y="0"/>
+          <a:ext cx="0" cy="0"/>
+          <a:chOff x="0" y="0"/>
+          <a:chExt cx="0" cy="0"/>
+        </a:xfrm>
+      </p:grpSpPr>
+      <p:sp>
+        <p:nvSpPr>
+          <p:cNvPr id="6" name="Текст 3"/>
+          <p:cNvSpPr>
+            <a:spLocks noGrp="1"/>
+          </p:cNvSpPr>
+          <p:nvPr>
+            <p:ph type="ctrTitle"/>
+          </p:nvPr>
+        </p:nvSpPr>
+        <p:spPr>
+          <a:xfrm>
+            <a:off x="1219200" y="1276350"/>
+            <a:ext cx="6858000" cy="1790700"/>
+          </a:xfrm>
+        </p:spPr>
+        <p:txBody>
+          <a:bodyPr>
+            <a:normAutofit/>
+          </a:bodyPr>
+          <a:lstStyle/>
+          <a:p>
+            <a:pPr lvl="1" algn="ctr"/>
+            <a:r>
+              <a:rPr lang="en-US" sz="4000" b="1" cap="all" dirty="0">
+                <a:solidFill>
+                  <a:srgbClr val="0070C0"/>
+                </a:solidFill>
+                <a:effectLst>
+                  <a:outerShdw blurRad="38100" dist="38100" dir="2700000" algn="tl">
+                    <a:srgbClr val="000000">
+                      <a:alpha val="43137"/>
+                    </a:srgbClr>
+                  </a:outerShdw>
+                </a:effectLst>
+                <a:latin typeface="MV Boli" panose="02000500030200090000" pitchFamily="2" charset="0"/>
+                <a:cs typeface="MV Boli" panose="02000500030200090000" pitchFamily="2" charset="0"/>
+              </a:rPr>
+              <a:t>BUSINESS PROBLEMS AND NEEDS</a:t>
+            </a:r>
+            <a:endParaRPr lang="ru-RU" sz="4000" b="1" cap="all" dirty="0">
+              <a:solidFill>
+                <a:srgbClr val="0070C0"/>
+              </a:solidFill>
+              <a:effectLst>
+                <a:outerShdw blurRad="38100" dist="38100" dir="2700000" algn="tl">
+                  <a:srgbClr val="000000">
+                    <a:alpha val="43137"/>
+                  </a:srgbClr>
+                </a:outerShdw>
+              </a:effectLst>
+              <a:latin typeface="MV Boli" panose="02000500030200090000" pitchFamily="2" charset="0"/>
+              <a:cs typeface="MV Boli" panose="02000500030200090000" pitchFamily="2" charset="0"/>
+            </a:endParaRPr>
+          </a:p>
+        </p:txBody>
+      </p:sp>
+      <p:pic>
+        <p:nvPicPr>
+          <p:cNvPr id="3" name="Picture 2" descr="Image result for milavitsa logo"/>
+          <p:cNvPicPr>
+            <a:picLocks noChangeAspect="1" noChangeArrowheads="1"/>
+          </p:cNvPicPr>
+          <p:nvPr/>
+        </p:nvPicPr>
+        <p:blipFill>
+          <a:blip r:embed="rId2" cstate="print">
+            <a:extLst>
+              <a:ext uri="{28A0092B-C50C-407E-A947-70E740481C1C}">
+                <a14:useLocalDpi xmlns:a14="http://schemas.microsoft.com/office/drawing/2010/main" val="0"/>
+              </a:ext>
+            </a:extLst>
+          </a:blip>
+          <a:srcRect/>
+          <a:stretch>
+            <a:fillRect/>
+          </a:stretch>
+        </p:blipFill>
+        <p:spPr bwMode="auto">
+          <a:xfrm>
+            <a:off x="152400" y="4476750"/>
+            <a:ext cx="1587500" cy="571500"/>
+          </a:xfrm>
+          <a:prstGeom prst="rect">
+            <a:avLst/>
+          </a:prstGeom>
+          <a:noFill/>
+          <a:extLst>
+            <a:ext uri="{909E8E84-426E-40DD-AFC4-6F175D3DCCD1}">
+              <a14:hiddenFill xmlns:a14="http://schemas.microsoft.com/office/drawing/2010/main">
+                <a:solidFill>
+                  <a:srgbClr val="FFFFFF"/>
+                </a:solidFill>
+              </a14:hiddenFill>
+            </a:ext>
+          </a:extLst>
+        </p:spPr>
+      </p:pic>
+    </p:spTree>
+    <p:extLst>
+      <p:ext uri="{BB962C8B-B14F-4D97-AF65-F5344CB8AC3E}">
+        <p14:creationId xmlns:p14="http://schemas.microsoft.com/office/powerpoint/2010/main" val="2019146093"/>
+      </p:ext>
+    </p:extLst>
+  </p:cSld>
+  <p:clrMapOvr>
+    <a:masterClrMapping/>
+  </p:clrMapOvr>
+  <mc:AlternateContent xmlns:mc="http://schemas.openxmlformats.org/markup-compatibility/2006" xmlns:p14="http://schemas.microsoft.com/office/powerpoint/2010/main">
+    <mc:Choice Requires="p14">
+      <p:transition spd="slow" p14:dur="1200">
+        <p14:prism/>
+      </p:transition>
+    </mc:Choice>
+    <mc:Fallback xmlns="">
+      <p:transition spd="slow">
+        <p:fade/>
+      </p:transition>
+    </mc:Fallback>
+  </mc:AlternateContent>
+  <p:timing>
+    <p:tnLst>
+      <p:par>
+        <p:cTn id="1" dur="indefinite" restart="never" nodeType="tmRoot"/>
+      </p:par>
+    </p:tnLst>
+  </p:timing>
+</p:sld>
+</file>
+
+<file path=ppt/slides/slide40.xml><?xml version="1.0" encoding="utf-8"?>
 <p:sld xmlns:a="http://schemas.openxmlformats.org/drawingml/2006/main" xmlns:r="http://schemas.openxmlformats.org/officeDocument/2006/relationships" xmlns:p="http://schemas.openxmlformats.org/presentationml/2006/main">
   <p:cSld>
     <p:spTree>
@@ -35985,13 +37646,13 @@
   <p:clrMapOvr>
     <a:masterClrMapping/>
   </p:clrMapOvr>
-  <mc:AlternateContent xmlns:mc="http://schemas.openxmlformats.org/markup-compatibility/2006">
-    <mc:Choice xmlns:p15="http://schemas.microsoft.com/office/powerpoint/2012/main" Requires="p15">
+  <mc:AlternateContent xmlns:mc="http://schemas.openxmlformats.org/markup-compatibility/2006" xmlns:p15="http://schemas.microsoft.com/office/powerpoint/2012/main">
+    <mc:Choice Requires="p15">
       <p:transition xmlns:p14="http://schemas.microsoft.com/office/powerpoint/2010/main" spd="slow" p14:dur="1250">
         <p15:prstTrans prst="pageCurlDouble"/>
       </p:transition>
     </mc:Choice>
-    <mc:Fallback>
+    <mc:Fallback xmlns="">
       <p:transition spd="slow">
         <p:fade/>
       </p:transition>
@@ -36665,7 +38326,7 @@
 </p:sld>
 </file>
 
-<file path=ppt/slides/slide38.xml><?xml version="1.0" encoding="utf-8"?>
+<file path=ppt/slides/slide41.xml><?xml version="1.0" encoding="utf-8"?>
 <p:sld xmlns:a="http://schemas.openxmlformats.org/drawingml/2006/main" xmlns:r="http://schemas.openxmlformats.org/officeDocument/2006/relationships" xmlns:p="http://schemas.openxmlformats.org/presentationml/2006/main">
   <p:cSld>
     <p:spTree>
@@ -36790,160 +38451,13 @@
   <p:clrMapOvr>
     <a:masterClrMapping/>
   </p:clrMapOvr>
-  <mc:AlternateContent xmlns:mc="http://schemas.openxmlformats.org/markup-compatibility/2006">
-    <mc:Choice xmlns:p15="http://schemas.microsoft.com/office/powerpoint/2012/main" Requires="p15">
+  <mc:AlternateContent xmlns:mc="http://schemas.openxmlformats.org/markup-compatibility/2006" xmlns:p15="http://schemas.microsoft.com/office/powerpoint/2012/main">
+    <mc:Choice Requires="p15">
       <p:transition xmlns:p14="http://schemas.microsoft.com/office/powerpoint/2010/main" spd="slow" p14:dur="6000">
         <p15:prstTrans prst="curtains"/>
       </p:transition>
     </mc:Choice>
-    <mc:Fallback>
-      <p:transition spd="slow">
-        <p:fade/>
-      </p:transition>
-    </mc:Fallback>
-  </mc:AlternateContent>
-  <p:timing>
-    <p:tnLst>
-      <p:par>
-        <p:cTn id="1" dur="indefinite" restart="never" nodeType="tmRoot"/>
-      </p:par>
-    </p:tnLst>
-  </p:timing>
-</p:sld>
-</file>
-
-<file path=ppt/slides/slide4.xml><?xml version="1.0" encoding="utf-8"?>
-<p:sld xmlns:a="http://schemas.openxmlformats.org/drawingml/2006/main" xmlns:r="http://schemas.openxmlformats.org/officeDocument/2006/relationships" xmlns:p="http://schemas.openxmlformats.org/presentationml/2006/main">
-  <p:cSld>
-    <p:spTree>
-      <p:nvGrpSpPr>
-        <p:cNvPr id="1" name=""/>
-        <p:cNvGrpSpPr/>
-        <p:nvPr/>
-      </p:nvGrpSpPr>
-      <p:grpSpPr>
-        <a:xfrm>
-          <a:off x="0" y="0"/>
-          <a:ext cx="0" cy="0"/>
-          <a:chOff x="0" y="0"/>
-          <a:chExt cx="0" cy="0"/>
-        </a:xfrm>
-      </p:grpSpPr>
-      <p:sp>
-        <p:nvSpPr>
-          <p:cNvPr id="6" name="Текст 3"/>
-          <p:cNvSpPr>
-            <a:spLocks noGrp="1"/>
-          </p:cNvSpPr>
-          <p:nvPr>
-            <p:ph type="ctrTitle"/>
-          </p:nvPr>
-        </p:nvSpPr>
-        <p:spPr>
-          <a:xfrm>
-            <a:off x="1219200" y="1276350"/>
-            <a:ext cx="6858000" cy="1790700"/>
-          </a:xfrm>
-        </p:spPr>
-        <p:txBody>
-          <a:bodyPr>
-            <a:normAutofit/>
-          </a:bodyPr>
-          <a:lstStyle/>
-          <a:p>
-            <a:pPr lvl="1" algn="ctr"/>
-            <a:r>
-              <a:rPr lang="en-US" sz="4000" b="1" cap="all" dirty="0">
-                <a:solidFill>
-                  <a:srgbClr val="0070C0"/>
-                </a:solidFill>
-                <a:effectLst>
-                  <a:outerShdw blurRad="38100" dist="38100" dir="2700000" algn="tl">
-                    <a:srgbClr val="000000">
-                      <a:alpha val="43137"/>
-                    </a:srgbClr>
-                  </a:outerShdw>
-                </a:effectLst>
-                <a:latin typeface="MV Boli" panose="02000500030200090000" pitchFamily="2" charset="0"/>
-                <a:cs typeface="MV Boli" panose="02000500030200090000" pitchFamily="2" charset="0"/>
-              </a:rPr>
-              <a:t>BUSINESS PROBLEMS AND NEEDS</a:t>
-            </a:r>
-            <a:endParaRPr lang="ru-RU" sz="4000" b="1" cap="all" dirty="0">
-              <a:solidFill>
-                <a:srgbClr val="0070C0"/>
-              </a:solidFill>
-              <a:effectLst>
-                <a:outerShdw blurRad="38100" dist="38100" dir="2700000" algn="tl">
-                  <a:srgbClr val="000000">
-                    <a:alpha val="43137"/>
-                  </a:srgbClr>
-                </a:outerShdw>
-              </a:effectLst>
-              <a:latin typeface="MV Boli" panose="02000500030200090000" pitchFamily="2" charset="0"/>
-              <a:cs typeface="MV Boli" panose="02000500030200090000" pitchFamily="2" charset="0"/>
-            </a:endParaRPr>
-          </a:p>
-        </p:txBody>
-      </p:sp>
-      <p:pic>
-        <p:nvPicPr>
-          <p:cNvPr id="3" name="Picture 2" descr="Image result for milavitsa logo"/>
-          <p:cNvPicPr>
-            <a:picLocks noChangeAspect="1" noChangeArrowheads="1"/>
-          </p:cNvPicPr>
-          <p:nvPr/>
-        </p:nvPicPr>
-        <p:blipFill>
-          <a:blip r:embed="rId2" cstate="print">
-            <a:extLst>
-              <a:ext uri="{28A0092B-C50C-407E-A947-70E740481C1C}">
-                <a14:useLocalDpi xmlns:a14="http://schemas.microsoft.com/office/drawing/2010/main" val="0"/>
-              </a:ext>
-            </a:extLst>
-          </a:blip>
-          <a:srcRect/>
-          <a:stretch>
-            <a:fillRect/>
-          </a:stretch>
-        </p:blipFill>
-        <p:spPr bwMode="auto">
-          <a:xfrm>
-            <a:off x="152400" y="4476750"/>
-            <a:ext cx="1587500" cy="571500"/>
-          </a:xfrm>
-          <a:prstGeom prst="rect">
-            <a:avLst/>
-          </a:prstGeom>
-          <a:noFill/>
-          <a:extLst>
-            <a:ext uri="{909E8E84-426E-40DD-AFC4-6F175D3DCCD1}">
-              <a14:hiddenFill xmlns:a14="http://schemas.microsoft.com/office/drawing/2010/main">
-                <a:solidFill>
-                  <a:srgbClr val="FFFFFF"/>
-                </a:solidFill>
-              </a14:hiddenFill>
-            </a:ext>
-          </a:extLst>
-        </p:spPr>
-      </p:pic>
-    </p:spTree>
-    <p:extLst>
-      <p:ext uri="{BB962C8B-B14F-4D97-AF65-F5344CB8AC3E}">
-        <p14:creationId xmlns:p14="http://schemas.microsoft.com/office/powerpoint/2010/main" val="2019146093"/>
-      </p:ext>
-    </p:extLst>
-  </p:cSld>
-  <p:clrMapOvr>
-    <a:masterClrMapping/>
-  </p:clrMapOvr>
-  <mc:AlternateContent xmlns:mc="http://schemas.openxmlformats.org/markup-compatibility/2006">
-    <mc:Choice xmlns:p14="http://schemas.microsoft.com/office/powerpoint/2010/main" Requires="p14">
-      <p:transition spd="slow" p14:dur="1200">
-        <p14:prism/>
-      </p:transition>
-    </mc:Choice>
-    <mc:Fallback>
+    <mc:Fallback xmlns="">
       <p:transition spd="slow">
         <p:fade/>
       </p:transition>
@@ -37271,13 +38785,13 @@
   <p:clrMapOvr>
     <a:masterClrMapping/>
   </p:clrMapOvr>
-  <mc:AlternateContent xmlns:mc="http://schemas.openxmlformats.org/markup-compatibility/2006">
-    <mc:Choice xmlns:p14="http://schemas.microsoft.com/office/powerpoint/2010/main" Requires="p14">
+  <mc:AlternateContent xmlns:mc="http://schemas.openxmlformats.org/markup-compatibility/2006" xmlns:p14="http://schemas.microsoft.com/office/powerpoint/2010/main">
+    <mc:Choice Requires="p14">
       <p:transition spd="slow" p14:dur="1250">
         <p14:switch dir="r"/>
       </p:transition>
     </mc:Choice>
-    <mc:Fallback>
+    <mc:Fallback xmlns="">
       <p:transition spd="slow">
         <p:fade/>
       </p:transition>
@@ -38607,13 +40121,13 @@
   <p:clrMapOvr>
     <a:masterClrMapping/>
   </p:clrMapOvr>
-  <mc:AlternateContent xmlns:mc="http://schemas.openxmlformats.org/markup-compatibility/2006">
-    <mc:Choice xmlns:p14="http://schemas.microsoft.com/office/powerpoint/2010/main" Requires="p14">
+  <mc:AlternateContent xmlns:mc="http://schemas.openxmlformats.org/markup-compatibility/2006" xmlns:p14="http://schemas.microsoft.com/office/powerpoint/2010/main">
+    <mc:Choice Requires="p14">
       <p:transition spd="slow" p14:dur="1200">
         <p14:prism/>
       </p:transition>
     </mc:Choice>
-    <mc:Fallback>
+    <mc:Fallback xmlns="">
       <p:transition spd="slow">
         <p:fade/>
       </p:transition>
@@ -39023,13 +40537,13 @@
   <p:clrMapOvr>
     <a:masterClrMapping/>
   </p:clrMapOvr>
-  <mc:AlternateContent xmlns:mc="http://schemas.openxmlformats.org/markup-compatibility/2006">
-    <mc:Choice xmlns:p14="http://schemas.microsoft.com/office/powerpoint/2010/main" Requires="p14">
+  <mc:AlternateContent xmlns:mc="http://schemas.openxmlformats.org/markup-compatibility/2006" xmlns:p14="http://schemas.microsoft.com/office/powerpoint/2010/main">
+    <mc:Choice Requires="p14">
       <p:transition spd="slow" p14:dur="1600">
         <p14:gallery dir="l"/>
       </p:transition>
     </mc:Choice>
-    <mc:Fallback>
+    <mc:Fallback xmlns="">
       <p:transition spd="slow">
         <p:fade/>
       </p:transition>
@@ -39662,13 +41176,13 @@
   <p:clrMapOvr>
     <a:masterClrMapping/>
   </p:clrMapOvr>
-  <mc:AlternateContent xmlns:mc="http://schemas.openxmlformats.org/markup-compatibility/2006">
-    <mc:Choice xmlns:p14="http://schemas.microsoft.com/office/powerpoint/2010/main" Requires="p14">
+  <mc:AlternateContent xmlns:mc="http://schemas.openxmlformats.org/markup-compatibility/2006" xmlns:p14="http://schemas.microsoft.com/office/powerpoint/2010/main">
+    <mc:Choice Requires="p14">
       <p:transition spd="slow" p14:dur="1200">
         <p14:prism/>
       </p:transition>
     </mc:Choice>
-    <mc:Fallback>
+    <mc:Fallback xmlns="">
       <p:transition spd="slow">
         <p:fade/>
       </p:transition>
@@ -40434,13 +41948,13 @@
   <p:clrMapOvr>
     <a:masterClrMapping/>
   </p:clrMapOvr>
-  <mc:AlternateContent xmlns:mc="http://schemas.openxmlformats.org/markup-compatibility/2006">
-    <mc:Choice xmlns:p14="http://schemas.microsoft.com/office/powerpoint/2010/main" Requires="p14">
+  <mc:AlternateContent xmlns:mc="http://schemas.openxmlformats.org/markup-compatibility/2006" xmlns:p14="http://schemas.microsoft.com/office/powerpoint/2010/main">
+    <mc:Choice Requires="p14">
       <p:transition spd="slow" p14:dur="1250">
         <p14:switch dir="r"/>
       </p:transition>
     </mc:Choice>
-    <mc:Fallback>
+    <mc:Fallback xmlns="">
       <p:transition spd="slow">
         <p:fade/>
       </p:transition>
